--- a/IBL ppt.pptx
+++ b/IBL ppt.pptx
@@ -9,14 +9,21 @@
     <p:sldId id="259" r:id="rId3"/>
     <p:sldId id="257" r:id="rId4"/>
     <p:sldId id="258" r:id="rId5"/>
-    <p:sldId id="260" r:id="rId6"/>
-    <p:sldId id="261" r:id="rId7"/>
-    <p:sldId id="262" r:id="rId8"/>
-    <p:sldId id="265" r:id="rId9"/>
-    <p:sldId id="263" r:id="rId10"/>
-    <p:sldId id="264" r:id="rId11"/>
-    <p:sldId id="266" r:id="rId12"/>
-    <p:sldId id="267" r:id="rId13"/>
+    <p:sldId id="270" r:id="rId6"/>
+    <p:sldId id="260" r:id="rId7"/>
+    <p:sldId id="261" r:id="rId8"/>
+    <p:sldId id="262" r:id="rId9"/>
+    <p:sldId id="265" r:id="rId10"/>
+    <p:sldId id="263" r:id="rId11"/>
+    <p:sldId id="264" r:id="rId12"/>
+    <p:sldId id="266" r:id="rId13"/>
+    <p:sldId id="271" r:id="rId14"/>
+    <p:sldId id="272" r:id="rId15"/>
+    <p:sldId id="273" r:id="rId16"/>
+    <p:sldId id="274" r:id="rId17"/>
+    <p:sldId id="267" r:id="rId18"/>
+    <p:sldId id="275" r:id="rId19"/>
+    <p:sldId id="269" r:id="rId20"/>
   </p:sldIdLst>
   <p:sldSz cx="12192000" cy="6858000"/>
   <p:notesSz cx="6858000" cy="9144000"/>
@@ -115,6 +122,11 @@
       </a:defRPr>
     </a:lvl9pPr>
   </p:defaultTextStyle>
+  <p:extLst>
+    <p:ext uri="{EFAFB233-063F-42B5-8137-9DF3F51BA10A}">
+      <p15:sldGuideLst xmlns:p15="http://schemas.microsoft.com/office/powerpoint/2012/main"/>
+    </p:ext>
+  </p:extLst>
 </p:presentation>
 </file>
 
@@ -265,7 +277,7 @@
           <a:p>
             <a:fld id="{72B0E292-ADBA-4E6A-977C-6C6D6DAD0D55}" type="datetimeFigureOut">
               <a:rPr lang="ko-KR" altLang="en-US" smtClean="0"/>
-              <a:t>2018-10-27</a:t>
+              <a:t>2018-11-03</a:t>
             </a:fld>
             <a:endParaRPr lang="ko-KR" altLang="en-US"/>
           </a:p>
@@ -463,7 +475,7 @@
           <a:p>
             <a:fld id="{72B0E292-ADBA-4E6A-977C-6C6D6DAD0D55}" type="datetimeFigureOut">
               <a:rPr lang="ko-KR" altLang="en-US" smtClean="0"/>
-              <a:t>2018-10-27</a:t>
+              <a:t>2018-11-03</a:t>
             </a:fld>
             <a:endParaRPr lang="ko-KR" altLang="en-US"/>
           </a:p>
@@ -671,7 +683,7 @@
           <a:p>
             <a:fld id="{72B0E292-ADBA-4E6A-977C-6C6D6DAD0D55}" type="datetimeFigureOut">
               <a:rPr lang="ko-KR" altLang="en-US" smtClean="0"/>
-              <a:t>2018-10-27</a:t>
+              <a:t>2018-11-03</a:t>
             </a:fld>
             <a:endParaRPr lang="ko-KR" altLang="en-US"/>
           </a:p>
@@ -869,7 +881,7 @@
           <a:p>
             <a:fld id="{72B0E292-ADBA-4E6A-977C-6C6D6DAD0D55}" type="datetimeFigureOut">
               <a:rPr lang="ko-KR" altLang="en-US" smtClean="0"/>
-              <a:t>2018-10-27</a:t>
+              <a:t>2018-11-03</a:t>
             </a:fld>
             <a:endParaRPr lang="ko-KR" altLang="en-US"/>
           </a:p>
@@ -1144,7 +1156,7 @@
           <a:p>
             <a:fld id="{72B0E292-ADBA-4E6A-977C-6C6D6DAD0D55}" type="datetimeFigureOut">
               <a:rPr lang="ko-KR" altLang="en-US" smtClean="0"/>
-              <a:t>2018-10-27</a:t>
+              <a:t>2018-11-03</a:t>
             </a:fld>
             <a:endParaRPr lang="ko-KR" altLang="en-US"/>
           </a:p>
@@ -1409,7 +1421,7 @@
           <a:p>
             <a:fld id="{72B0E292-ADBA-4E6A-977C-6C6D6DAD0D55}" type="datetimeFigureOut">
               <a:rPr lang="ko-KR" altLang="en-US" smtClean="0"/>
-              <a:t>2018-10-27</a:t>
+              <a:t>2018-11-03</a:t>
             </a:fld>
             <a:endParaRPr lang="ko-KR" altLang="en-US"/>
           </a:p>
@@ -1821,7 +1833,7 @@
           <a:p>
             <a:fld id="{72B0E292-ADBA-4E6A-977C-6C6D6DAD0D55}" type="datetimeFigureOut">
               <a:rPr lang="ko-KR" altLang="en-US" smtClean="0"/>
-              <a:t>2018-10-27</a:t>
+              <a:t>2018-11-03</a:t>
             </a:fld>
             <a:endParaRPr lang="ko-KR" altLang="en-US"/>
           </a:p>
@@ -1962,7 +1974,7 @@
           <a:p>
             <a:fld id="{72B0E292-ADBA-4E6A-977C-6C6D6DAD0D55}" type="datetimeFigureOut">
               <a:rPr lang="ko-KR" altLang="en-US" smtClean="0"/>
-              <a:t>2018-10-27</a:t>
+              <a:t>2018-11-03</a:t>
             </a:fld>
             <a:endParaRPr lang="ko-KR" altLang="en-US"/>
           </a:p>
@@ -2075,7 +2087,7 @@
           <a:p>
             <a:fld id="{72B0E292-ADBA-4E6A-977C-6C6D6DAD0D55}" type="datetimeFigureOut">
               <a:rPr lang="ko-KR" altLang="en-US" smtClean="0"/>
-              <a:t>2018-10-27</a:t>
+              <a:t>2018-11-03</a:t>
             </a:fld>
             <a:endParaRPr lang="ko-KR" altLang="en-US"/>
           </a:p>
@@ -2386,7 +2398,7 @@
           <a:p>
             <a:fld id="{72B0E292-ADBA-4E6A-977C-6C6D6DAD0D55}" type="datetimeFigureOut">
               <a:rPr lang="ko-KR" altLang="en-US" smtClean="0"/>
-              <a:t>2018-10-27</a:t>
+              <a:t>2018-11-03</a:t>
             </a:fld>
             <a:endParaRPr lang="ko-KR" altLang="en-US"/>
           </a:p>
@@ -2674,7 +2686,7 @@
           <a:p>
             <a:fld id="{72B0E292-ADBA-4E6A-977C-6C6D6DAD0D55}" type="datetimeFigureOut">
               <a:rPr lang="ko-KR" altLang="en-US" smtClean="0"/>
-              <a:t>2018-10-27</a:t>
+              <a:t>2018-11-03</a:t>
             </a:fld>
             <a:endParaRPr lang="ko-KR" altLang="en-US"/>
           </a:p>
@@ -2915,7 +2927,7 @@
           <a:p>
             <a:fld id="{72B0E292-ADBA-4E6A-977C-6C6D6DAD0D55}" type="datetimeFigureOut">
               <a:rPr lang="ko-KR" altLang="en-US" smtClean="0"/>
-              <a:t>2018-10-27</a:t>
+              <a:t>2018-11-03</a:t>
             </a:fld>
             <a:endParaRPr lang="ko-KR" altLang="en-US"/>
           </a:p>
@@ -3404,7 +3416,19 @@
           <a:p>
             <a:r>
               <a:rPr lang="en-US" altLang="ko-KR" dirty="0"/>
-              <a:t>K-NN</a:t>
+              <a:t>K-NN(</a:t>
+            </a:r>
+            <a:r>
+              <a:rPr lang="en-US" altLang="ko-KR" dirty="0" err="1"/>
+              <a:t>ibl</a:t>
+            </a:r>
+            <a:r>
+              <a:rPr lang="ko-KR" altLang="en-US" dirty="0"/>
+              <a:t> 의 한 종류</a:t>
+            </a:r>
+            <a:r>
+              <a:rPr lang="en-US" altLang="ko-KR" dirty="0"/>
+              <a:t>)</a:t>
             </a:r>
           </a:p>
           <a:p>
@@ -3460,12 +3484,45 @@
           <a:chExt cx="0" cy="0"/>
         </a:xfrm>
       </p:grpSpPr>
+      <p:sp>
+        <p:nvSpPr>
+          <p:cNvPr id="2" name="제목 1">
+            <a:extLst>
+              <a:ext uri="{FF2B5EF4-FFF2-40B4-BE49-F238E27FC236}">
+                <a16:creationId xmlns:a16="http://schemas.microsoft.com/office/drawing/2014/main" id="{90BD6EC3-D237-4B55-A37B-BCB912C0C2E9}"/>
+              </a:ext>
+            </a:extLst>
+          </p:cNvPr>
+          <p:cNvSpPr>
+            <a:spLocks noGrp="1"/>
+          </p:cNvSpPr>
+          <p:nvPr>
+            <p:ph type="title"/>
+          </p:nvPr>
+        </p:nvSpPr>
+        <p:spPr>
+          <a:xfrm>
+            <a:off x="825707" y="76672"/>
+            <a:ext cx="10515600" cy="1325563"/>
+          </a:xfrm>
+        </p:spPr>
+        <p:txBody>
+          <a:bodyPr/>
+          <a:lstStyle/>
+          <a:p>
+            <a:r>
+              <a:rPr lang="en-US" altLang="ko-KR" dirty="0"/>
+              <a:t>1) Building a Distance Function One Field at a Time</a:t>
+            </a:r>
+          </a:p>
+        </p:txBody>
+      </p:sp>
       <p:pic>
         <p:nvPicPr>
-          <p:cNvPr id="5" name="내용 개체 틀 4">
-            <a:extLst>
-              <a:ext uri="{FF2B5EF4-FFF2-40B4-BE49-F238E27FC236}">
-                <a16:creationId xmlns:a16="http://schemas.microsoft.com/office/drawing/2014/main" id="{FC8EA0B9-F36D-4C81-B84A-0694CF3D4396}"/>
+          <p:cNvPr id="4" name="내용 개체 틀 3">
+            <a:extLst>
+              <a:ext uri="{FF2B5EF4-FFF2-40B4-BE49-F238E27FC236}">
+                <a16:creationId xmlns:a16="http://schemas.microsoft.com/office/drawing/2014/main" id="{313D30C8-ED07-4788-8DAB-93A59CCFCAC2}"/>
               </a:ext>
             </a:extLst>
           </p:cNvPr>
@@ -3484,99 +3541,126 @@
         </p:blipFill>
         <p:spPr>
           <a:xfrm>
-            <a:off x="1090294" y="1752600"/>
-            <a:ext cx="9008745" cy="3162300"/>
+            <a:off x="838199" y="1402235"/>
+            <a:ext cx="10515600" cy="2416818"/>
           </a:xfrm>
           <a:prstGeom prst="rect">
             <a:avLst/>
           </a:prstGeom>
         </p:spPr>
       </p:pic>
-      <p:sp>
-        <p:nvSpPr>
-          <p:cNvPr id="4" name="제목 1">
-            <a:extLst>
-              <a:ext uri="{FF2B5EF4-FFF2-40B4-BE49-F238E27FC236}">
-                <a16:creationId xmlns:a16="http://schemas.microsoft.com/office/drawing/2014/main" id="{C2AA2204-B1D5-4AC7-B04B-B067CFEEA887}"/>
-              </a:ext>
-            </a:extLst>
-          </p:cNvPr>
-          <p:cNvSpPr>
-            <a:spLocks noGrp="1"/>
-          </p:cNvSpPr>
-          <p:nvPr>
-            <p:ph type="title"/>
-          </p:nvPr>
-        </p:nvSpPr>
+      <p:cxnSp>
+        <p:nvCxnSpPr>
+          <p:cNvPr id="6" name="직선 연결선 5">
+            <a:extLst>
+              <a:ext uri="{FF2B5EF4-FFF2-40B4-BE49-F238E27FC236}">
+                <a16:creationId xmlns:a16="http://schemas.microsoft.com/office/drawing/2014/main" id="{A556A84A-1D77-4AF4-B6A2-76D9C08C05B5}"/>
+              </a:ext>
+            </a:extLst>
+          </p:cNvPr>
+          <p:cNvCxnSpPr/>
+          <p:nvPr/>
+        </p:nvCxnSpPr>
         <p:spPr>
           <a:xfrm>
-            <a:off x="825707" y="76672"/>
-            <a:ext cx="10515600" cy="1325563"/>
+            <a:off x="1409700" y="3524250"/>
+            <a:ext cx="8848725" cy="0"/>
           </a:xfrm>
-        </p:spPr>
-        <p:txBody>
-          <a:bodyPr/>
-          <a:lstStyle/>
-          <a:p>
-            <a:r>
-              <a:rPr lang="en-US" altLang="ko-KR" dirty="0"/>
-              <a:t>1) Building a Distance Function One Field at a Time</a:t>
-            </a:r>
-          </a:p>
-        </p:txBody>
-      </p:sp>
-      <p:sp>
-        <p:nvSpPr>
-          <p:cNvPr id="6" name="화살표: 왼쪽 5">
-            <a:extLst>
-              <a:ext uri="{FF2B5EF4-FFF2-40B4-BE49-F238E27FC236}">
-                <a16:creationId xmlns:a16="http://schemas.microsoft.com/office/drawing/2014/main" id="{3ADCF2E1-EBB5-44F2-914C-5EA98227884A}"/>
-              </a:ext>
-            </a:extLst>
-          </p:cNvPr>
-          <p:cNvSpPr/>
-          <p:nvPr/>
-        </p:nvSpPr>
-        <p:spPr>
-          <a:xfrm>
-            <a:off x="10172700" y="3001010"/>
-            <a:ext cx="361949" cy="466725"/>
-          </a:xfrm>
-          <a:prstGeom prst="leftArrow">
+          <a:prstGeom prst="line">
             <a:avLst/>
           </a:prstGeom>
+          <a:ln w="28575"/>
         </p:spPr>
         <p:style>
-          <a:lnRef idx="2">
-            <a:schemeClr val="accent1">
-              <a:shade val="50000"/>
-            </a:schemeClr>
+          <a:lnRef idx="1">
+            <a:schemeClr val="accent1"/>
           </a:lnRef>
-          <a:fillRef idx="1">
+          <a:fillRef idx="0">
             <a:schemeClr val="accent1"/>
           </a:fillRef>
           <a:effectRef idx="0">
             <a:schemeClr val="accent1"/>
           </a:effectRef>
           <a:fontRef idx="minor">
-            <a:schemeClr val="lt1"/>
+            <a:schemeClr val="tx1"/>
           </a:fontRef>
         </p:style>
-        <p:txBody>
-          <a:bodyPr rtlCol="0" anchor="ctr"/>
-          <a:lstStyle/>
-          <a:p>
-            <a:pPr algn="ctr"/>
-            <a:endParaRPr lang="ko-KR" altLang="en-US"/>
-          </a:p>
-        </p:txBody>
-      </p:sp>
-      <p:sp>
-        <p:nvSpPr>
-          <p:cNvPr id="7" name="TextBox 6">
-            <a:extLst>
-              <a:ext uri="{FF2B5EF4-FFF2-40B4-BE49-F238E27FC236}">
-                <a16:creationId xmlns:a16="http://schemas.microsoft.com/office/drawing/2014/main" id="{D1AA489F-1324-4636-A9D1-026988C6A8BE}"/>
+      </p:cxnSp>
+      <p:pic>
+        <p:nvPicPr>
+          <p:cNvPr id="7" name="그림 6">
+            <a:extLst>
+              <a:ext uri="{FF2B5EF4-FFF2-40B4-BE49-F238E27FC236}">
+                <a16:creationId xmlns:a16="http://schemas.microsoft.com/office/drawing/2014/main" id="{53A33CD7-420A-4059-8CD3-83B3E767CF83}"/>
+              </a:ext>
+            </a:extLst>
+          </p:cNvPr>
+          <p:cNvPicPr>
+            <a:picLocks noChangeAspect="1"/>
+          </p:cNvPicPr>
+          <p:nvPr/>
+        </p:nvPicPr>
+        <p:blipFill>
+          <a:blip r:embed="rId3"/>
+          <a:stretch>
+            <a:fillRect/>
+          </a:stretch>
+        </p:blipFill>
+        <p:spPr>
+          <a:xfrm>
+            <a:off x="1543049" y="4100264"/>
+            <a:ext cx="8715376" cy="2515097"/>
+          </a:xfrm>
+          <a:prstGeom prst="rect">
+            <a:avLst/>
+          </a:prstGeom>
+        </p:spPr>
+      </p:pic>
+      <p:cxnSp>
+        <p:nvCxnSpPr>
+          <p:cNvPr id="9" name="직선 화살표 연결선 8">
+            <a:extLst>
+              <a:ext uri="{FF2B5EF4-FFF2-40B4-BE49-F238E27FC236}">
+                <a16:creationId xmlns:a16="http://schemas.microsoft.com/office/drawing/2014/main" id="{E3EE8D0B-E0E4-48F3-BF0F-F5001556C6A3}"/>
+              </a:ext>
+            </a:extLst>
+          </p:cNvPr>
+          <p:cNvCxnSpPr/>
+          <p:nvPr/>
+        </p:nvCxnSpPr>
+        <p:spPr>
+          <a:xfrm flipH="1" flipV="1">
+            <a:off x="1266825" y="4286250"/>
+            <a:ext cx="2314575" cy="781050"/>
+          </a:xfrm>
+          <a:prstGeom prst="straightConnector1">
+            <a:avLst/>
+          </a:prstGeom>
+          <a:ln>
+            <a:tailEnd type="triangle"/>
+          </a:ln>
+        </p:spPr>
+        <p:style>
+          <a:lnRef idx="1">
+            <a:schemeClr val="accent1"/>
+          </a:lnRef>
+          <a:fillRef idx="0">
+            <a:schemeClr val="accent1"/>
+          </a:fillRef>
+          <a:effectRef idx="0">
+            <a:schemeClr val="accent1"/>
+          </a:effectRef>
+          <a:fontRef idx="minor">
+            <a:schemeClr val="tx1"/>
+          </a:fontRef>
+        </p:style>
+      </p:cxnSp>
+      <p:sp>
+        <p:nvSpPr>
+          <p:cNvPr id="10" name="TextBox 9">
+            <a:extLst>
+              <a:ext uri="{FF2B5EF4-FFF2-40B4-BE49-F238E27FC236}">
+                <a16:creationId xmlns:a16="http://schemas.microsoft.com/office/drawing/2014/main" id="{68244A9A-4A9B-4DF8-8F5B-350EC0400804}"/>
               </a:ext>
             </a:extLst>
           </p:cNvPr>
@@ -3585,8 +3669,8 @@
         </p:nvSpPr>
         <p:spPr>
           <a:xfrm>
-            <a:off x="10850712" y="2911206"/>
-            <a:ext cx="970074" cy="369332"/>
+            <a:off x="0" y="3946752"/>
+            <a:ext cx="1651414" cy="646331"/>
           </a:xfrm>
           <a:prstGeom prst="rect">
             <a:avLst/>
@@ -3600,17 +3684,31 @@
           <a:lstStyle/>
           <a:p>
             <a:r>
-              <a:rPr lang="en-US" altLang="ko-KR" dirty="0"/>
-              <a:t>Test set</a:t>
-            </a:r>
-            <a:endParaRPr lang="ko-KR" altLang="en-US" dirty="0"/>
+              <a:rPr lang="ko-KR" altLang="en-US" dirty="0" err="1"/>
+              <a:t>가까운순</a:t>
+            </a:r>
+            <a:r>
+              <a:rPr lang="en-US" altLang="ko-KR" dirty="0"/>
+              <a:t> </a:t>
+            </a:r>
+            <a:r>
+              <a:rPr lang="ko-KR" altLang="en-US" dirty="0"/>
+              <a:t>으로</a:t>
+            </a:r>
+            <a:endParaRPr lang="en-US" altLang="ko-KR" dirty="0"/>
+          </a:p>
+          <a:p>
+            <a:r>
+              <a:rPr lang="ko-KR" altLang="en-US" dirty="0"/>
+              <a:t>인덱스 나열</a:t>
+            </a:r>
           </a:p>
         </p:txBody>
       </p:sp>
     </p:spTree>
     <p:extLst>
       <p:ext uri="{BB962C8B-B14F-4D97-AF65-F5344CB8AC3E}">
-        <p14:creationId xmlns:p14="http://schemas.microsoft.com/office/powerpoint/2010/main" val="3236892607"/>
+        <p14:creationId xmlns:p14="http://schemas.microsoft.com/office/powerpoint/2010/main" val="2363064082"/>
       </p:ext>
     </p:extLst>
   </p:cSld>
@@ -3637,55 +3735,19 @@
           <a:chExt cx="0" cy="0"/>
         </a:xfrm>
       </p:grpSpPr>
-      <p:sp>
-        <p:nvSpPr>
-          <p:cNvPr id="2" name="제목 1">
-            <a:extLst>
-              <a:ext uri="{FF2B5EF4-FFF2-40B4-BE49-F238E27FC236}">
-                <a16:creationId xmlns:a16="http://schemas.microsoft.com/office/drawing/2014/main" id="{5A21F746-7921-4F69-ACD3-BAAD79BC6D9D}"/>
-              </a:ext>
-            </a:extLst>
-          </p:cNvPr>
-          <p:cNvSpPr>
-            <a:spLocks noGrp="1"/>
-          </p:cNvSpPr>
-          <p:nvPr>
-            <p:ph type="title"/>
-          </p:nvPr>
-        </p:nvSpPr>
-        <p:spPr/>
-        <p:txBody>
-          <a:bodyPr>
-            <a:normAutofit fontScale="90000"/>
-          </a:bodyPr>
-          <a:lstStyle/>
-          <a:p>
-            <a:r>
-              <a:rPr lang="en-US" altLang="ko-KR" dirty="0"/>
-              <a:t>2) using square of the difference &amp; Manhattan distance</a:t>
-            </a:r>
-            <a:br>
-              <a:rPr lang="en-US" altLang="ko-KR" dirty="0"/>
-            </a:br>
-            <a:endParaRPr lang="ko-KR" altLang="en-US" dirty="0"/>
-          </a:p>
-        </p:txBody>
-      </p:sp>
       <p:pic>
         <p:nvPicPr>
-          <p:cNvPr id="4" name="내용 개체 틀 3">
-            <a:extLst>
-              <a:ext uri="{FF2B5EF4-FFF2-40B4-BE49-F238E27FC236}">
-                <a16:creationId xmlns:a16="http://schemas.microsoft.com/office/drawing/2014/main" id="{9B2346FB-6E2B-4AD7-B8FA-15A8D566A9E5}"/>
+          <p:cNvPr id="9" name="그림 8">
+            <a:extLst>
+              <a:ext uri="{FF2B5EF4-FFF2-40B4-BE49-F238E27FC236}">
+                <a16:creationId xmlns:a16="http://schemas.microsoft.com/office/drawing/2014/main" id="{9758FDDF-D2DF-4E43-BF79-CC13ECF882B4}"/>
               </a:ext>
             </a:extLst>
           </p:cNvPr>
           <p:cNvPicPr>
-            <a:picLocks noGrp="1" noChangeAspect="1"/>
+            <a:picLocks noChangeAspect="1"/>
           </p:cNvPicPr>
-          <p:nvPr>
-            <p:ph idx="1"/>
-          </p:nvPr>
+          <p:nvPr/>
         </p:nvPicPr>
         <p:blipFill>
           <a:blip r:embed="rId2"/>
@@ -3695,18 +3757,176 @@
         </p:blipFill>
         <p:spPr>
           <a:xfrm>
-            <a:off x="838200" y="1349827"/>
-            <a:ext cx="10515600" cy="2940733"/>
+            <a:off x="2200275" y="5255260"/>
+            <a:ext cx="6934200" cy="1181100"/>
           </a:xfrm>
           <a:prstGeom prst="rect">
             <a:avLst/>
           </a:prstGeom>
         </p:spPr>
       </p:pic>
+      <p:pic>
+        <p:nvPicPr>
+          <p:cNvPr id="5" name="내용 개체 틀 4">
+            <a:extLst>
+              <a:ext uri="{FF2B5EF4-FFF2-40B4-BE49-F238E27FC236}">
+                <a16:creationId xmlns:a16="http://schemas.microsoft.com/office/drawing/2014/main" id="{FC8EA0B9-F36D-4C81-B84A-0694CF3D4396}"/>
+              </a:ext>
+            </a:extLst>
+          </p:cNvPr>
+          <p:cNvPicPr>
+            <a:picLocks noGrp="1" noChangeAspect="1"/>
+          </p:cNvPicPr>
+          <p:nvPr>
+            <p:ph idx="1"/>
+          </p:nvPr>
+        </p:nvPicPr>
+        <p:blipFill>
+          <a:blip r:embed="rId3"/>
+          <a:stretch>
+            <a:fillRect/>
+          </a:stretch>
+        </p:blipFill>
+        <p:spPr>
+          <a:xfrm>
+            <a:off x="1090294" y="1752600"/>
+            <a:ext cx="9008745" cy="3162300"/>
+          </a:xfrm>
+          <a:prstGeom prst="rect">
+            <a:avLst/>
+          </a:prstGeom>
+        </p:spPr>
+      </p:pic>
+      <p:sp>
+        <p:nvSpPr>
+          <p:cNvPr id="4" name="제목 1">
+            <a:extLst>
+              <a:ext uri="{FF2B5EF4-FFF2-40B4-BE49-F238E27FC236}">
+                <a16:creationId xmlns:a16="http://schemas.microsoft.com/office/drawing/2014/main" id="{C2AA2204-B1D5-4AC7-B04B-B067CFEEA887}"/>
+              </a:ext>
+            </a:extLst>
+          </p:cNvPr>
+          <p:cNvSpPr>
+            <a:spLocks noGrp="1"/>
+          </p:cNvSpPr>
+          <p:nvPr>
+            <p:ph type="title"/>
+          </p:nvPr>
+        </p:nvSpPr>
+        <p:spPr>
+          <a:xfrm>
+            <a:off x="825707" y="76672"/>
+            <a:ext cx="10515600" cy="1325563"/>
+          </a:xfrm>
+        </p:spPr>
+        <p:txBody>
+          <a:bodyPr/>
+          <a:lstStyle/>
+          <a:p>
+            <a:r>
+              <a:rPr lang="en-US" altLang="ko-KR" dirty="0"/>
+              <a:t>1) Building a Distance Function One Field at a Time</a:t>
+            </a:r>
+          </a:p>
+        </p:txBody>
+      </p:sp>
+      <p:sp>
+        <p:nvSpPr>
+          <p:cNvPr id="8" name="사각형: 둥근 모서리 7">
+            <a:extLst>
+              <a:ext uri="{FF2B5EF4-FFF2-40B4-BE49-F238E27FC236}">
+                <a16:creationId xmlns:a16="http://schemas.microsoft.com/office/drawing/2014/main" id="{034D9B4E-D1BF-47B0-894E-0AA06AF12FD1}"/>
+              </a:ext>
+            </a:extLst>
+          </p:cNvPr>
+          <p:cNvSpPr/>
+          <p:nvPr/>
+        </p:nvSpPr>
+        <p:spPr>
+          <a:xfrm>
+            <a:off x="7896224" y="3793490"/>
+            <a:ext cx="561975" cy="930910"/>
+          </a:xfrm>
+          <a:prstGeom prst="roundRect">
+            <a:avLst/>
+          </a:prstGeom>
+          <a:noFill/>
+          <a:ln w="57150">
+            <a:solidFill>
+              <a:srgbClr val="FFFF00"/>
+            </a:solidFill>
+          </a:ln>
+        </p:spPr>
+        <p:style>
+          <a:lnRef idx="2">
+            <a:schemeClr val="accent1">
+              <a:shade val="50000"/>
+            </a:schemeClr>
+          </a:lnRef>
+          <a:fillRef idx="1">
+            <a:schemeClr val="accent1"/>
+          </a:fillRef>
+          <a:effectRef idx="0">
+            <a:schemeClr val="accent1"/>
+          </a:effectRef>
+          <a:fontRef idx="minor">
+            <a:schemeClr val="lt1"/>
+          </a:fontRef>
+        </p:style>
+        <p:txBody>
+          <a:bodyPr rtlCol="0" anchor="ctr"/>
+          <a:lstStyle/>
+          <a:p>
+            <a:pPr algn="ctr"/>
+            <a:endParaRPr lang="ko-KR" altLang="en-US"/>
+          </a:p>
+        </p:txBody>
+      </p:sp>
+      <p:cxnSp>
+        <p:nvCxnSpPr>
+          <p:cNvPr id="3" name="직선 화살표 연결선 2">
+            <a:extLst>
+              <a:ext uri="{FF2B5EF4-FFF2-40B4-BE49-F238E27FC236}">
+                <a16:creationId xmlns:a16="http://schemas.microsoft.com/office/drawing/2014/main" id="{9C982A02-D5E4-485B-9B99-D9E70B1C3009}"/>
+              </a:ext>
+            </a:extLst>
+          </p:cNvPr>
+          <p:cNvCxnSpPr>
+            <a:cxnSpLocks/>
+          </p:cNvCxnSpPr>
+          <p:nvPr/>
+        </p:nvCxnSpPr>
+        <p:spPr>
+          <a:xfrm flipH="1">
+            <a:off x="7105650" y="4724400"/>
+            <a:ext cx="790574" cy="828675"/>
+          </a:xfrm>
+          <a:prstGeom prst="straightConnector1">
+            <a:avLst/>
+          </a:prstGeom>
+          <a:ln>
+            <a:tailEnd type="triangle"/>
+          </a:ln>
+        </p:spPr>
+        <p:style>
+          <a:lnRef idx="1">
+            <a:schemeClr val="accent1"/>
+          </a:lnRef>
+          <a:fillRef idx="0">
+            <a:schemeClr val="accent1"/>
+          </a:fillRef>
+          <a:effectRef idx="0">
+            <a:schemeClr val="accent1"/>
+          </a:effectRef>
+          <a:fontRef idx="minor">
+            <a:schemeClr val="tx1"/>
+          </a:fontRef>
+        </p:style>
+      </p:cxnSp>
     </p:spTree>
     <p:extLst>
       <p:ext uri="{BB962C8B-B14F-4D97-AF65-F5344CB8AC3E}">
-        <p14:creationId xmlns:p14="http://schemas.microsoft.com/office/powerpoint/2010/main" val="2248963140"/>
+        <p14:creationId xmlns:p14="http://schemas.microsoft.com/office/powerpoint/2010/main" val="3236892607"/>
       </p:ext>
     </p:extLst>
   </p:cSld>
@@ -3738,6 +3958,1245 @@
           <p:cNvPr id="2" name="제목 1">
             <a:extLst>
               <a:ext uri="{FF2B5EF4-FFF2-40B4-BE49-F238E27FC236}">
+                <a16:creationId xmlns:a16="http://schemas.microsoft.com/office/drawing/2014/main" id="{5A21F746-7921-4F69-ACD3-BAAD79BC6D9D}"/>
+              </a:ext>
+            </a:extLst>
+          </p:cNvPr>
+          <p:cNvSpPr>
+            <a:spLocks noGrp="1"/>
+          </p:cNvSpPr>
+          <p:nvPr>
+            <p:ph type="title"/>
+          </p:nvPr>
+        </p:nvSpPr>
+        <p:spPr/>
+        <p:txBody>
+          <a:bodyPr>
+            <a:normAutofit fontScale="90000"/>
+          </a:bodyPr>
+          <a:lstStyle/>
+          <a:p>
+            <a:r>
+              <a:rPr lang="en-US" altLang="ko-KR" dirty="0"/>
+              <a:t>2) using square of the difference &amp; Manhattan distance</a:t>
+            </a:r>
+            <a:br>
+              <a:rPr lang="en-US" altLang="ko-KR" dirty="0"/>
+            </a:br>
+            <a:endParaRPr lang="ko-KR" altLang="en-US" dirty="0"/>
+          </a:p>
+        </p:txBody>
+      </p:sp>
+      <p:pic>
+        <p:nvPicPr>
+          <p:cNvPr id="4" name="내용 개체 틀 3">
+            <a:extLst>
+              <a:ext uri="{FF2B5EF4-FFF2-40B4-BE49-F238E27FC236}">
+                <a16:creationId xmlns:a16="http://schemas.microsoft.com/office/drawing/2014/main" id="{9B2346FB-6E2B-4AD7-B8FA-15A8D566A9E5}"/>
+              </a:ext>
+            </a:extLst>
+          </p:cNvPr>
+          <p:cNvPicPr>
+            <a:picLocks noGrp="1" noChangeAspect="1"/>
+          </p:cNvPicPr>
+          <p:nvPr>
+            <p:ph idx="1"/>
+          </p:nvPr>
+        </p:nvPicPr>
+        <p:blipFill>
+          <a:blip r:embed="rId2"/>
+          <a:stretch>
+            <a:fillRect/>
+          </a:stretch>
+        </p:blipFill>
+        <p:spPr>
+          <a:xfrm>
+            <a:off x="838200" y="1349827"/>
+            <a:ext cx="10515600" cy="2940733"/>
+          </a:xfrm>
+          <a:prstGeom prst="rect">
+            <a:avLst/>
+          </a:prstGeom>
+        </p:spPr>
+      </p:pic>
+      <p:sp>
+        <p:nvSpPr>
+          <p:cNvPr id="6" name="TextBox 5">
+            <a:extLst>
+              <a:ext uri="{FF2B5EF4-FFF2-40B4-BE49-F238E27FC236}">
+                <a16:creationId xmlns:a16="http://schemas.microsoft.com/office/drawing/2014/main" id="{C3194A9D-9EAD-4DEF-90AF-5C1C0A09AB70}"/>
+              </a:ext>
+            </a:extLst>
+          </p:cNvPr>
+          <p:cNvSpPr txBox="1"/>
+          <p:nvPr/>
+        </p:nvSpPr>
+        <p:spPr>
+          <a:xfrm>
+            <a:off x="5867400" y="3505200"/>
+            <a:ext cx="2154436" cy="369332"/>
+          </a:xfrm>
+          <a:prstGeom prst="rect">
+            <a:avLst/>
+          </a:prstGeom>
+          <a:noFill/>
+        </p:spPr>
+        <p:txBody>
+          <a:bodyPr wrap="none" rtlCol="0">
+            <a:spAutoFit/>
+          </a:bodyPr>
+          <a:lstStyle/>
+          <a:p>
+            <a:r>
+              <a:rPr lang="en-US" altLang="ko-KR" dirty="0"/>
+              <a:t>(absolute distance)</a:t>
+            </a:r>
+            <a:endParaRPr lang="ko-KR" altLang="en-US" dirty="0"/>
+          </a:p>
+        </p:txBody>
+      </p:sp>
+    </p:spTree>
+    <p:extLst>
+      <p:ext uri="{BB962C8B-B14F-4D97-AF65-F5344CB8AC3E}">
+        <p14:creationId xmlns:p14="http://schemas.microsoft.com/office/powerpoint/2010/main" val="2248963140"/>
+      </p:ext>
+    </p:extLst>
+  </p:cSld>
+  <p:clrMapOvr>
+    <a:masterClrMapping/>
+  </p:clrMapOvr>
+</p:sld>
+</file>
+
+<file path=ppt/slides/slide13.xml><?xml version="1.0" encoding="utf-8"?>
+<p:sld xmlns:a="http://schemas.openxmlformats.org/drawingml/2006/main" xmlns:r="http://schemas.openxmlformats.org/officeDocument/2006/relationships" xmlns:p="http://schemas.openxmlformats.org/presentationml/2006/main">
+  <p:cSld>
+    <p:spTree>
+      <p:nvGrpSpPr>
+        <p:cNvPr id="1" name=""/>
+        <p:cNvGrpSpPr/>
+        <p:nvPr/>
+      </p:nvGrpSpPr>
+      <p:grpSpPr>
+        <a:xfrm>
+          <a:off x="0" y="0"/>
+          <a:ext cx="0" cy="0"/>
+          <a:chOff x="0" y="0"/>
+          <a:chExt cx="0" cy="0"/>
+        </a:xfrm>
+      </p:grpSpPr>
+      <p:sp>
+        <p:nvSpPr>
+          <p:cNvPr id="2" name="제목 1">
+            <a:extLst>
+              <a:ext uri="{FF2B5EF4-FFF2-40B4-BE49-F238E27FC236}">
+                <a16:creationId xmlns:a16="http://schemas.microsoft.com/office/drawing/2014/main" id="{5E04DA6D-9CDD-499A-845A-B98D32B0A571}"/>
+              </a:ext>
+            </a:extLst>
+          </p:cNvPr>
+          <p:cNvSpPr>
+            <a:spLocks noGrp="1"/>
+          </p:cNvSpPr>
+          <p:nvPr>
+            <p:ph type="title"/>
+          </p:nvPr>
+        </p:nvSpPr>
+        <p:spPr>
+          <a:xfrm>
+            <a:off x="838200" y="365125"/>
+            <a:ext cx="10515600" cy="1325563"/>
+          </a:xfrm>
+        </p:spPr>
+        <p:txBody>
+          <a:bodyPr/>
+          <a:lstStyle/>
+          <a:p>
+            <a:r>
+              <a:rPr lang="en-US" altLang="ko-KR" dirty="0"/>
+              <a:t>Weight adjusted KNN-&gt; WAKNN -1</a:t>
+            </a:r>
+            <a:endParaRPr lang="ko-KR" altLang="en-US" dirty="0"/>
+          </a:p>
+        </p:txBody>
+      </p:sp>
+      <p:sp>
+        <p:nvSpPr>
+          <p:cNvPr id="3" name="내용 개체 틀 2">
+            <a:extLst>
+              <a:ext uri="{FF2B5EF4-FFF2-40B4-BE49-F238E27FC236}">
+                <a16:creationId xmlns:a16="http://schemas.microsoft.com/office/drawing/2014/main" id="{D478AA54-ABF1-4A26-81B3-8B269A2D9E44}"/>
+              </a:ext>
+            </a:extLst>
+          </p:cNvPr>
+          <p:cNvSpPr>
+            <a:spLocks noGrp="1"/>
+          </p:cNvSpPr>
+          <p:nvPr>
+            <p:ph idx="1"/>
+          </p:nvPr>
+        </p:nvSpPr>
+        <p:spPr>
+          <a:xfrm>
+            <a:off x="838200" y="1825625"/>
+            <a:ext cx="10515600" cy="2994025"/>
+          </a:xfrm>
+        </p:spPr>
+        <p:txBody>
+          <a:bodyPr>
+            <a:normAutofit/>
+          </a:bodyPr>
+          <a:lstStyle/>
+          <a:p>
+            <a:pPr marL="0" indent="0">
+              <a:buNone/>
+            </a:pPr>
+            <a:endParaRPr lang="en-US" altLang="ko-KR" dirty="0"/>
+          </a:p>
+          <a:p>
+            <a:pPr marL="0" indent="0">
+              <a:buNone/>
+            </a:pPr>
+            <a:r>
+              <a:rPr lang="en-US" altLang="ko-KR" dirty="0"/>
+              <a:t>-&gt; </a:t>
+            </a:r>
+            <a:r>
+              <a:rPr lang="en-US" altLang="ko-KR" dirty="0">
+                <a:highlight>
+                  <a:srgbClr val="FFFF00"/>
+                </a:highlight>
+              </a:rPr>
+              <a:t>majority</a:t>
+            </a:r>
+            <a:r>
+              <a:rPr lang="ko-KR" altLang="en-US" dirty="0">
+                <a:highlight>
+                  <a:srgbClr val="FFFF00"/>
+                </a:highlight>
+              </a:rPr>
+              <a:t> </a:t>
+            </a:r>
+            <a:r>
+              <a:rPr lang="en-US" altLang="ko-KR" dirty="0">
+                <a:highlight>
+                  <a:srgbClr val="FFFF00"/>
+                </a:highlight>
+              </a:rPr>
+              <a:t>vote</a:t>
+            </a:r>
+            <a:r>
+              <a:rPr lang="ko-KR" altLang="en-US" dirty="0">
+                <a:highlight>
+                  <a:srgbClr val="FFFF00"/>
+                </a:highlight>
+              </a:rPr>
+              <a:t> </a:t>
+            </a:r>
+            <a:r>
+              <a:rPr lang="ko-KR" altLang="en-US" dirty="0"/>
+              <a:t>에서 데이터가 많은 </a:t>
+            </a:r>
+            <a:r>
+              <a:rPr lang="en-US" altLang="ko-KR" dirty="0"/>
+              <a:t>class</a:t>
+            </a:r>
+            <a:r>
+              <a:rPr lang="ko-KR" altLang="en-US" dirty="0"/>
+              <a:t>가 새로운 </a:t>
+            </a:r>
+            <a:r>
+              <a:rPr lang="en-US" altLang="ko-KR" dirty="0"/>
+              <a:t>example</a:t>
+            </a:r>
+            <a:r>
+              <a:rPr lang="ko-KR" altLang="en-US" dirty="0"/>
+              <a:t>의 </a:t>
+            </a:r>
+            <a:r>
+              <a:rPr lang="en-US" altLang="ko-KR" dirty="0"/>
+              <a:t>class</a:t>
+            </a:r>
+            <a:r>
+              <a:rPr lang="ko-KR" altLang="en-US" dirty="0"/>
+              <a:t>가 될 확률이 더 클 수 밖에 없기 때문에 </a:t>
+            </a:r>
+            <a:r>
+              <a:rPr lang="en-US" altLang="ko-KR" dirty="0"/>
+              <a:t>weight</a:t>
+            </a:r>
+            <a:r>
+              <a:rPr lang="ko-KR" altLang="en-US" dirty="0"/>
+              <a:t>를 줌</a:t>
+            </a:r>
+            <a:endParaRPr lang="en-US" altLang="ko-KR" dirty="0"/>
+          </a:p>
+          <a:p>
+            <a:pPr marL="0" indent="0">
+              <a:buNone/>
+            </a:pPr>
+            <a:endParaRPr lang="en-US" altLang="ko-KR" dirty="0"/>
+          </a:p>
+          <a:p>
+            <a:pPr marL="0" indent="0">
+              <a:buNone/>
+            </a:pPr>
+            <a:r>
+              <a:rPr lang="en-US" altLang="ko-KR" dirty="0"/>
+              <a:t>Distance -&gt; similarity measure(weight)</a:t>
+            </a:r>
+          </a:p>
+          <a:p>
+            <a:pPr marL="0" indent="0">
+              <a:buNone/>
+            </a:pPr>
+            <a:r>
+              <a:rPr lang="en-US" altLang="ko-KR" dirty="0"/>
+              <a:t>: K(d)  {kernel}</a:t>
+            </a:r>
+          </a:p>
+          <a:p>
+            <a:pPr marL="0" indent="0">
+              <a:buNone/>
+            </a:pPr>
+            <a:endParaRPr lang="en-US" altLang="ko-KR" dirty="0"/>
+          </a:p>
+        </p:txBody>
+      </p:sp>
+      <p:sp>
+        <p:nvSpPr>
+          <p:cNvPr id="4" name="직사각형 3">
+            <a:extLst>
+              <a:ext uri="{FF2B5EF4-FFF2-40B4-BE49-F238E27FC236}">
+                <a16:creationId xmlns:a16="http://schemas.microsoft.com/office/drawing/2014/main" id="{EF78D3D3-9221-4DE1-AA80-4B61C52572B1}"/>
+              </a:ext>
+            </a:extLst>
+          </p:cNvPr>
+          <p:cNvSpPr/>
+          <p:nvPr/>
+        </p:nvSpPr>
+        <p:spPr>
+          <a:xfrm>
+            <a:off x="6096000" y="5657671"/>
+            <a:ext cx="6096000" cy="1200329"/>
+          </a:xfrm>
+          <a:prstGeom prst="rect">
+            <a:avLst/>
+          </a:prstGeom>
+        </p:spPr>
+        <p:txBody>
+          <a:bodyPr>
+            <a:spAutoFit/>
+          </a:bodyPr>
+          <a:lstStyle/>
+          <a:p>
+            <a:r>
+              <a:rPr lang="en-US" altLang="ko-KR" dirty="0" err="1"/>
+              <a:t>Hechenbichler</a:t>
+            </a:r>
+            <a:r>
+              <a:rPr lang="en-US" altLang="ko-KR" dirty="0"/>
+              <a:t>, </a:t>
+            </a:r>
+            <a:r>
+              <a:rPr lang="en-US" altLang="ko-KR" dirty="0" err="1"/>
+              <a:t>Schliep</a:t>
+            </a:r>
+            <a:r>
+              <a:rPr lang="en-US" altLang="ko-KR" dirty="0"/>
+              <a:t>: Weighted k-Nearest-Neighbor Techniques and Ordinal Classification </a:t>
+            </a:r>
+            <a:r>
+              <a:rPr lang="en-US" altLang="ko-KR" dirty="0" err="1"/>
+              <a:t>Sonderforschungsbereich</a:t>
+            </a:r>
+            <a:r>
+              <a:rPr lang="en-US" altLang="ko-KR" dirty="0"/>
+              <a:t> 386, Paper 399 (2004) Online </a:t>
+            </a:r>
+            <a:r>
+              <a:rPr lang="en-US" altLang="ko-KR" dirty="0" err="1"/>
+              <a:t>unter</a:t>
+            </a:r>
+            <a:r>
+              <a:rPr lang="en-US" altLang="ko-KR" dirty="0"/>
+              <a:t>: http://epub.ub.uni-muenchen.de/</a:t>
+            </a:r>
+            <a:endParaRPr lang="ko-KR" altLang="en-US" dirty="0"/>
+          </a:p>
+        </p:txBody>
+      </p:sp>
+    </p:spTree>
+    <p:extLst>
+      <p:ext uri="{BB962C8B-B14F-4D97-AF65-F5344CB8AC3E}">
+        <p14:creationId xmlns:p14="http://schemas.microsoft.com/office/powerpoint/2010/main" val="1090478664"/>
+      </p:ext>
+    </p:extLst>
+  </p:cSld>
+  <p:clrMapOvr>
+    <a:masterClrMapping/>
+  </p:clrMapOvr>
+</p:sld>
+</file>
+
+<file path=ppt/slides/slide14.xml><?xml version="1.0" encoding="utf-8"?>
+<p:sld xmlns:a="http://schemas.openxmlformats.org/drawingml/2006/main" xmlns:r="http://schemas.openxmlformats.org/officeDocument/2006/relationships" xmlns:p="http://schemas.openxmlformats.org/presentationml/2006/main">
+  <p:cSld>
+    <p:spTree>
+      <p:nvGrpSpPr>
+        <p:cNvPr id="1" name=""/>
+        <p:cNvGrpSpPr/>
+        <p:nvPr/>
+      </p:nvGrpSpPr>
+      <p:grpSpPr>
+        <a:xfrm>
+          <a:off x="0" y="0"/>
+          <a:ext cx="0" cy="0"/>
+          <a:chOff x="0" y="0"/>
+          <a:chExt cx="0" cy="0"/>
+        </a:xfrm>
+      </p:grpSpPr>
+      <p:sp>
+        <p:nvSpPr>
+          <p:cNvPr id="2" name="제목 1">
+            <a:extLst>
+              <a:ext uri="{FF2B5EF4-FFF2-40B4-BE49-F238E27FC236}">
+                <a16:creationId xmlns:a16="http://schemas.microsoft.com/office/drawing/2014/main" id="{9AB0E8F3-1BE2-425A-A0D5-B7D7602D49F9}"/>
+              </a:ext>
+            </a:extLst>
+          </p:cNvPr>
+          <p:cNvSpPr>
+            <a:spLocks noGrp="1"/>
+          </p:cNvSpPr>
+          <p:nvPr>
+            <p:ph type="title"/>
+          </p:nvPr>
+        </p:nvSpPr>
+        <p:spPr/>
+        <p:txBody>
+          <a:bodyPr/>
+          <a:lstStyle/>
+          <a:p>
+            <a:r>
+              <a:rPr lang="en-US" altLang="ko-KR" dirty="0"/>
+              <a:t>kernel</a:t>
+            </a:r>
+            <a:endParaRPr lang="ko-KR" altLang="en-US" dirty="0"/>
+          </a:p>
+        </p:txBody>
+      </p:sp>
+      <p:pic>
+        <p:nvPicPr>
+          <p:cNvPr id="4" name="내용 개체 틀 3">
+            <a:extLst>
+              <a:ext uri="{FF2B5EF4-FFF2-40B4-BE49-F238E27FC236}">
+                <a16:creationId xmlns:a16="http://schemas.microsoft.com/office/drawing/2014/main" id="{BEEDDECF-C2CE-48CF-9D51-999B2CCC96FF}"/>
+              </a:ext>
+            </a:extLst>
+          </p:cNvPr>
+          <p:cNvPicPr>
+            <a:picLocks noGrp="1" noChangeAspect="1"/>
+          </p:cNvPicPr>
+          <p:nvPr>
+            <p:ph idx="1"/>
+          </p:nvPr>
+        </p:nvPicPr>
+        <p:blipFill>
+          <a:blip r:embed="rId2"/>
+          <a:stretch>
+            <a:fillRect/>
+          </a:stretch>
+        </p:blipFill>
+        <p:spPr>
+          <a:xfrm>
+            <a:off x="838200" y="1462881"/>
+            <a:ext cx="7000875" cy="2219325"/>
+          </a:xfrm>
+          <a:prstGeom prst="rect">
+            <a:avLst/>
+          </a:prstGeom>
+        </p:spPr>
+      </p:pic>
+      <p:pic>
+        <p:nvPicPr>
+          <p:cNvPr id="5" name="그림 4">
+            <a:extLst>
+              <a:ext uri="{FF2B5EF4-FFF2-40B4-BE49-F238E27FC236}">
+                <a16:creationId xmlns:a16="http://schemas.microsoft.com/office/drawing/2014/main" id="{2171C78F-D1BC-440C-943C-28C90D943C45}"/>
+              </a:ext>
+            </a:extLst>
+          </p:cNvPr>
+          <p:cNvPicPr>
+            <a:picLocks noChangeAspect="1"/>
+          </p:cNvPicPr>
+          <p:nvPr/>
+        </p:nvPicPr>
+        <p:blipFill>
+          <a:blip r:embed="rId3"/>
+          <a:stretch>
+            <a:fillRect/>
+          </a:stretch>
+        </p:blipFill>
+        <p:spPr>
+          <a:xfrm>
+            <a:off x="838200" y="3814762"/>
+            <a:ext cx="5857875" cy="2543175"/>
+          </a:xfrm>
+          <a:prstGeom prst="rect">
+            <a:avLst/>
+          </a:prstGeom>
+        </p:spPr>
+      </p:pic>
+    </p:spTree>
+    <p:extLst>
+      <p:ext uri="{BB962C8B-B14F-4D97-AF65-F5344CB8AC3E}">
+        <p14:creationId xmlns:p14="http://schemas.microsoft.com/office/powerpoint/2010/main" val="1785938638"/>
+      </p:ext>
+    </p:extLst>
+  </p:cSld>
+  <p:clrMapOvr>
+    <a:masterClrMapping/>
+  </p:clrMapOvr>
+</p:sld>
+</file>
+
+<file path=ppt/slides/slide15.xml><?xml version="1.0" encoding="utf-8"?>
+<p:sld xmlns:a="http://schemas.openxmlformats.org/drawingml/2006/main" xmlns:r="http://schemas.openxmlformats.org/officeDocument/2006/relationships" xmlns:p="http://schemas.openxmlformats.org/presentationml/2006/main">
+  <p:cSld>
+    <p:spTree>
+      <p:nvGrpSpPr>
+        <p:cNvPr id="1" name=""/>
+        <p:cNvGrpSpPr/>
+        <p:nvPr/>
+      </p:nvGrpSpPr>
+      <p:grpSpPr>
+        <a:xfrm>
+          <a:off x="0" y="0"/>
+          <a:ext cx="0" cy="0"/>
+          <a:chOff x="0" y="0"/>
+          <a:chExt cx="0" cy="0"/>
+        </a:xfrm>
+      </p:grpSpPr>
+      <p:sp>
+        <p:nvSpPr>
+          <p:cNvPr id="2" name="제목 1">
+            <a:extLst>
+              <a:ext uri="{FF2B5EF4-FFF2-40B4-BE49-F238E27FC236}">
+                <a16:creationId xmlns:a16="http://schemas.microsoft.com/office/drawing/2014/main" id="{18237E0E-7F80-41AD-B2BC-E2C3D34421D9}"/>
+              </a:ext>
+            </a:extLst>
+          </p:cNvPr>
+          <p:cNvSpPr>
+            <a:spLocks noGrp="1"/>
+          </p:cNvSpPr>
+          <p:nvPr>
+            <p:ph type="title"/>
+          </p:nvPr>
+        </p:nvSpPr>
+        <p:spPr/>
+        <p:txBody>
+          <a:bodyPr/>
+          <a:lstStyle/>
+          <a:p>
+            <a:r>
+              <a:rPr lang="en-US" altLang="ko-KR" dirty="0"/>
+              <a:t>WAKNN-2</a:t>
+            </a:r>
+            <a:endParaRPr lang="ko-KR" altLang="en-US" dirty="0"/>
+          </a:p>
+        </p:txBody>
+      </p:sp>
+      <p:pic>
+        <p:nvPicPr>
+          <p:cNvPr id="4" name="내용 개체 틀 3">
+            <a:extLst>
+              <a:ext uri="{FF2B5EF4-FFF2-40B4-BE49-F238E27FC236}">
+                <a16:creationId xmlns:a16="http://schemas.microsoft.com/office/drawing/2014/main" id="{5BF0AC2A-3643-465B-A39E-EBB5897474F3}"/>
+              </a:ext>
+            </a:extLst>
+          </p:cNvPr>
+          <p:cNvPicPr>
+            <a:picLocks noGrp="1" noChangeAspect="1"/>
+          </p:cNvPicPr>
+          <p:nvPr>
+            <p:ph idx="1"/>
+          </p:nvPr>
+        </p:nvPicPr>
+        <p:blipFill>
+          <a:blip r:embed="rId2"/>
+          <a:stretch>
+            <a:fillRect/>
+          </a:stretch>
+        </p:blipFill>
+        <p:spPr>
+          <a:xfrm>
+            <a:off x="838200" y="1581944"/>
+            <a:ext cx="9648227" cy="2628106"/>
+          </a:xfrm>
+          <a:prstGeom prst="rect">
+            <a:avLst/>
+          </a:prstGeom>
+        </p:spPr>
+      </p:pic>
+      <p:cxnSp>
+        <p:nvCxnSpPr>
+          <p:cNvPr id="6" name="직선 화살표 연결선 5">
+            <a:extLst>
+              <a:ext uri="{FF2B5EF4-FFF2-40B4-BE49-F238E27FC236}">
+                <a16:creationId xmlns:a16="http://schemas.microsoft.com/office/drawing/2014/main" id="{B5AE76A4-09B4-4153-B268-554F4E2FB61D}"/>
+              </a:ext>
+            </a:extLst>
+          </p:cNvPr>
+          <p:cNvCxnSpPr>
+            <a:cxnSpLocks/>
+          </p:cNvCxnSpPr>
+          <p:nvPr/>
+        </p:nvCxnSpPr>
+        <p:spPr>
+          <a:xfrm flipH="1" flipV="1">
+            <a:off x="7639051" y="914400"/>
+            <a:ext cx="2657474" cy="812007"/>
+          </a:xfrm>
+          <a:prstGeom prst="straightConnector1">
+            <a:avLst/>
+          </a:prstGeom>
+          <a:ln>
+            <a:tailEnd type="triangle"/>
+          </a:ln>
+        </p:spPr>
+        <p:style>
+          <a:lnRef idx="1">
+            <a:schemeClr val="accent1"/>
+          </a:lnRef>
+          <a:fillRef idx="0">
+            <a:schemeClr val="accent1"/>
+          </a:fillRef>
+          <a:effectRef idx="0">
+            <a:schemeClr val="accent1"/>
+          </a:effectRef>
+          <a:fontRef idx="minor">
+            <a:schemeClr val="tx1"/>
+          </a:fontRef>
+        </p:style>
+      </p:cxnSp>
+      <p:sp>
+        <p:nvSpPr>
+          <p:cNvPr id="7" name="TextBox 6">
+            <a:extLst>
+              <a:ext uri="{FF2B5EF4-FFF2-40B4-BE49-F238E27FC236}">
+                <a16:creationId xmlns:a16="http://schemas.microsoft.com/office/drawing/2014/main" id="{C6F93980-CABB-4B31-B012-03741F7C9A17}"/>
+              </a:ext>
+            </a:extLst>
+          </p:cNvPr>
+          <p:cNvSpPr txBox="1"/>
+          <p:nvPr/>
+        </p:nvSpPr>
+        <p:spPr>
+          <a:xfrm>
+            <a:off x="6096000" y="383977"/>
+            <a:ext cx="1628844" cy="923330"/>
+          </a:xfrm>
+          <a:prstGeom prst="rect">
+            <a:avLst/>
+          </a:prstGeom>
+          <a:noFill/>
+        </p:spPr>
+        <p:txBody>
+          <a:bodyPr wrap="none" rtlCol="0">
+            <a:spAutoFit/>
+          </a:bodyPr>
+          <a:lstStyle/>
+          <a:p>
+            <a:r>
+              <a:rPr lang="en-US" altLang="ko-KR" dirty="0"/>
+              <a:t>Nearest order</a:t>
+            </a:r>
+          </a:p>
+          <a:p>
+            <a:r>
+              <a:rPr lang="en-US" altLang="ko-KR" dirty="0"/>
+              <a:t>-&gt;4,3,5,2,1</a:t>
+            </a:r>
+          </a:p>
+          <a:p>
+            <a:r>
+              <a:rPr lang="en-US" altLang="ko-KR" dirty="0"/>
+              <a:t>-&gt;</a:t>
+            </a:r>
+            <a:r>
+              <a:rPr lang="en-US" altLang="ko-KR" dirty="0" err="1"/>
+              <a:t>y,y,n,y,y</a:t>
+            </a:r>
+            <a:endParaRPr lang="ko-KR" altLang="en-US" dirty="0"/>
+          </a:p>
+        </p:txBody>
+      </p:sp>
+      <p:sp>
+        <p:nvSpPr>
+          <p:cNvPr id="8" name="TextBox 7">
+            <a:extLst>
+              <a:ext uri="{FF2B5EF4-FFF2-40B4-BE49-F238E27FC236}">
+                <a16:creationId xmlns:a16="http://schemas.microsoft.com/office/drawing/2014/main" id="{A665ACC6-926F-4D23-9516-10A4DA97B992}"/>
+              </a:ext>
+            </a:extLst>
+          </p:cNvPr>
+          <p:cNvSpPr txBox="1"/>
+          <p:nvPr/>
+        </p:nvSpPr>
+        <p:spPr>
+          <a:xfrm>
+            <a:off x="952500" y="4629150"/>
+            <a:ext cx="10136493" cy="2031325"/>
+          </a:xfrm>
+          <a:prstGeom prst="rect">
+            <a:avLst/>
+          </a:prstGeom>
+          <a:noFill/>
+        </p:spPr>
+        <p:txBody>
+          <a:bodyPr wrap="none" rtlCol="0">
+            <a:spAutoFit/>
+          </a:bodyPr>
+          <a:lstStyle/>
+          <a:p>
+            <a:r>
+              <a:rPr lang="en-US" altLang="ko-KR" dirty="0"/>
+              <a:t>Confidence of </a:t>
+            </a:r>
+            <a:r>
+              <a:rPr lang="en-US" altLang="ko-KR" dirty="0" err="1"/>
+              <a:t>d_sum</a:t>
+            </a:r>
+            <a:r>
+              <a:rPr lang="en-US" altLang="ko-KR" dirty="0"/>
+              <a:t> prediction of k = sum of winning weight(of y or n) / sum of total weight</a:t>
+            </a:r>
+          </a:p>
+          <a:p>
+            <a:endParaRPr lang="en-US" altLang="ko-KR" dirty="0"/>
+          </a:p>
+          <a:p>
+            <a:r>
+              <a:rPr lang="en-US" altLang="ko-KR" dirty="0"/>
+              <a:t>K =1 : confidence = (y </a:t>
+            </a:r>
+            <a:r>
+              <a:rPr lang="ko-KR" altLang="en-US" dirty="0"/>
+              <a:t>승</a:t>
+            </a:r>
+            <a:r>
+              <a:rPr lang="en-US" altLang="ko-KR" dirty="0"/>
+              <a:t>) 1/1</a:t>
+            </a:r>
+          </a:p>
+          <a:p>
+            <a:r>
+              <a:rPr lang="en-US" altLang="ko-KR" dirty="0"/>
+              <a:t>K =2 : confidence = (y </a:t>
+            </a:r>
+            <a:r>
+              <a:rPr lang="ko-KR" altLang="en-US" dirty="0"/>
+              <a:t>승</a:t>
+            </a:r>
+            <a:r>
+              <a:rPr lang="en-US" altLang="ko-KR" dirty="0"/>
+              <a:t>) (1+0.77)/(1+0.77)</a:t>
+            </a:r>
+          </a:p>
+          <a:p>
+            <a:r>
+              <a:rPr lang="en-US" altLang="ko-KR" dirty="0"/>
+              <a:t>K =3 : confidence = (y </a:t>
+            </a:r>
+            <a:r>
+              <a:rPr lang="ko-KR" altLang="en-US" dirty="0"/>
+              <a:t>승</a:t>
+            </a:r>
+            <a:r>
+              <a:rPr lang="en-US" altLang="ko-KR" dirty="0"/>
+              <a:t>) (1+0.77)/(1+0.77+0.72)</a:t>
+            </a:r>
+          </a:p>
+          <a:p>
+            <a:r>
+              <a:rPr lang="en-US" altLang="ko-KR" dirty="0"/>
+              <a:t>K =4 : confidence = (y </a:t>
+            </a:r>
+            <a:r>
+              <a:rPr lang="ko-KR" altLang="en-US" dirty="0"/>
+              <a:t>승</a:t>
+            </a:r>
+            <a:r>
+              <a:rPr lang="en-US" altLang="ko-KR" dirty="0"/>
+              <a:t>) (1+0.77+0.61)/(1+0.77+0.72+0.61)</a:t>
+            </a:r>
+          </a:p>
+          <a:p>
+            <a:r>
+              <a:rPr lang="en-US" altLang="ko-KR" dirty="0"/>
+              <a:t>K =5 : confidence = (y </a:t>
+            </a:r>
+            <a:r>
+              <a:rPr lang="ko-KR" altLang="en-US" dirty="0"/>
+              <a:t>승</a:t>
+            </a:r>
+            <a:r>
+              <a:rPr lang="en-US" altLang="ko-KR" dirty="0"/>
+              <a:t>) (1+0.77+0.61)/(1+0.77+0.72+0.61+0.6)</a:t>
+            </a:r>
+          </a:p>
+        </p:txBody>
+      </p:sp>
+    </p:spTree>
+    <p:extLst>
+      <p:ext uri="{BB962C8B-B14F-4D97-AF65-F5344CB8AC3E}">
+        <p14:creationId xmlns:p14="http://schemas.microsoft.com/office/powerpoint/2010/main" val="1522108055"/>
+      </p:ext>
+    </p:extLst>
+  </p:cSld>
+  <p:clrMapOvr>
+    <a:masterClrMapping/>
+  </p:clrMapOvr>
+</p:sld>
+</file>
+
+<file path=ppt/slides/slide16.xml><?xml version="1.0" encoding="utf-8"?>
+<p:sld xmlns:a="http://schemas.openxmlformats.org/drawingml/2006/main" xmlns:r="http://schemas.openxmlformats.org/officeDocument/2006/relationships" xmlns:p="http://schemas.openxmlformats.org/presentationml/2006/main">
+  <p:cSld>
+    <p:spTree>
+      <p:nvGrpSpPr>
+        <p:cNvPr id="1" name=""/>
+        <p:cNvGrpSpPr/>
+        <p:nvPr/>
+      </p:nvGrpSpPr>
+      <p:grpSpPr>
+        <a:xfrm>
+          <a:off x="0" y="0"/>
+          <a:ext cx="0" cy="0"/>
+          <a:chOff x="0" y="0"/>
+          <a:chExt cx="0" cy="0"/>
+        </a:xfrm>
+      </p:grpSpPr>
+      <p:sp>
+        <p:nvSpPr>
+          <p:cNvPr id="2" name="제목 1">
+            <a:extLst>
+              <a:ext uri="{FF2B5EF4-FFF2-40B4-BE49-F238E27FC236}">
+                <a16:creationId xmlns:a16="http://schemas.microsoft.com/office/drawing/2014/main" id="{16921CDB-9273-4A5B-AD41-3F4A61C99D84}"/>
+              </a:ext>
+            </a:extLst>
+          </p:cNvPr>
+          <p:cNvSpPr>
+            <a:spLocks noGrp="1"/>
+          </p:cNvSpPr>
+          <p:nvPr>
+            <p:ph type="title"/>
+          </p:nvPr>
+        </p:nvSpPr>
+        <p:spPr/>
+        <p:txBody>
+          <a:bodyPr/>
+          <a:lstStyle/>
+          <a:p>
+            <a:r>
+              <a:rPr lang="en-US" altLang="ko-KR" dirty="0"/>
+              <a:t>WAKNN-3</a:t>
+            </a:r>
+            <a:endParaRPr lang="ko-KR" altLang="en-US" dirty="0"/>
+          </a:p>
+        </p:txBody>
+      </p:sp>
+      <p:pic>
+        <p:nvPicPr>
+          <p:cNvPr id="5" name="내용 개체 틀 4">
+            <a:extLst>
+              <a:ext uri="{FF2B5EF4-FFF2-40B4-BE49-F238E27FC236}">
+                <a16:creationId xmlns:a16="http://schemas.microsoft.com/office/drawing/2014/main" id="{398B4B33-D192-4AE3-B780-E71C590C7901}"/>
+              </a:ext>
+            </a:extLst>
+          </p:cNvPr>
+          <p:cNvPicPr>
+            <a:picLocks noGrp="1" noChangeAspect="1"/>
+          </p:cNvPicPr>
+          <p:nvPr>
+            <p:ph idx="1"/>
+          </p:nvPr>
+        </p:nvPicPr>
+        <p:blipFill>
+          <a:blip r:embed="rId2"/>
+          <a:stretch>
+            <a:fillRect/>
+          </a:stretch>
+        </p:blipFill>
+        <p:spPr>
+          <a:xfrm>
+            <a:off x="838200" y="1871663"/>
+            <a:ext cx="9496425" cy="1028700"/>
+          </a:xfrm>
+          <a:prstGeom prst="rect">
+            <a:avLst/>
+          </a:prstGeom>
+        </p:spPr>
+      </p:pic>
+      <p:pic>
+        <p:nvPicPr>
+          <p:cNvPr id="6" name="그림 5">
+            <a:extLst>
+              <a:ext uri="{FF2B5EF4-FFF2-40B4-BE49-F238E27FC236}">
+                <a16:creationId xmlns:a16="http://schemas.microsoft.com/office/drawing/2014/main" id="{DF3AA461-99B3-4F9A-9BE7-07077D389612}"/>
+              </a:ext>
+            </a:extLst>
+          </p:cNvPr>
+          <p:cNvPicPr>
+            <a:picLocks noChangeAspect="1"/>
+          </p:cNvPicPr>
+          <p:nvPr/>
+        </p:nvPicPr>
+        <p:blipFill>
+          <a:blip r:embed="rId3"/>
+          <a:stretch>
+            <a:fillRect/>
+          </a:stretch>
+        </p:blipFill>
+        <p:spPr>
+          <a:xfrm>
+            <a:off x="762000" y="3429000"/>
+            <a:ext cx="9572625" cy="1898649"/>
+          </a:xfrm>
+          <a:prstGeom prst="rect">
+            <a:avLst/>
+          </a:prstGeom>
+        </p:spPr>
+      </p:pic>
+      <p:sp>
+        <p:nvSpPr>
+          <p:cNvPr id="7" name="TextBox 6">
+            <a:extLst>
+              <a:ext uri="{FF2B5EF4-FFF2-40B4-BE49-F238E27FC236}">
+                <a16:creationId xmlns:a16="http://schemas.microsoft.com/office/drawing/2014/main" id="{BC45AAE3-E499-490C-AFD0-52AB4B45F3E5}"/>
+              </a:ext>
+            </a:extLst>
+          </p:cNvPr>
+          <p:cNvSpPr txBox="1"/>
+          <p:nvPr/>
+        </p:nvSpPr>
+        <p:spPr>
+          <a:xfrm>
+            <a:off x="838200" y="1530351"/>
+            <a:ext cx="857927" cy="369332"/>
+          </a:xfrm>
+          <a:prstGeom prst="rect">
+            <a:avLst/>
+          </a:prstGeom>
+          <a:noFill/>
+        </p:spPr>
+        <p:txBody>
+          <a:bodyPr wrap="none" rtlCol="0">
+            <a:spAutoFit/>
+          </a:bodyPr>
+          <a:lstStyle/>
+          <a:p>
+            <a:r>
+              <a:rPr lang="en-US" altLang="ko-KR" dirty="0" err="1"/>
+              <a:t>waknn</a:t>
+            </a:r>
+            <a:endParaRPr lang="ko-KR" altLang="en-US" dirty="0"/>
+          </a:p>
+        </p:txBody>
+      </p:sp>
+      <p:sp>
+        <p:nvSpPr>
+          <p:cNvPr id="8" name="TextBox 7">
+            <a:extLst>
+              <a:ext uri="{FF2B5EF4-FFF2-40B4-BE49-F238E27FC236}">
+                <a16:creationId xmlns:a16="http://schemas.microsoft.com/office/drawing/2014/main" id="{35C6A8C3-1A5A-42A5-966F-AA697A16D9BF}"/>
+              </a:ext>
+            </a:extLst>
+          </p:cNvPr>
+          <p:cNvSpPr txBox="1"/>
+          <p:nvPr/>
+        </p:nvSpPr>
+        <p:spPr>
+          <a:xfrm>
+            <a:off x="838200" y="3220005"/>
+            <a:ext cx="567784" cy="369332"/>
+          </a:xfrm>
+          <a:prstGeom prst="rect">
+            <a:avLst/>
+          </a:prstGeom>
+          <a:noFill/>
+        </p:spPr>
+        <p:txBody>
+          <a:bodyPr wrap="none" rtlCol="0">
+            <a:spAutoFit/>
+          </a:bodyPr>
+          <a:lstStyle/>
+          <a:p>
+            <a:r>
+              <a:rPr lang="en-US" altLang="ko-KR" dirty="0" err="1"/>
+              <a:t>knn</a:t>
+            </a:r>
+            <a:endParaRPr lang="ko-KR" altLang="en-US" dirty="0"/>
+          </a:p>
+        </p:txBody>
+      </p:sp>
+      <p:sp>
+        <p:nvSpPr>
+          <p:cNvPr id="9" name="타원 8">
+            <a:extLst>
+              <a:ext uri="{FF2B5EF4-FFF2-40B4-BE49-F238E27FC236}">
+                <a16:creationId xmlns:a16="http://schemas.microsoft.com/office/drawing/2014/main" id="{0D177CDD-F143-428D-892F-E7DA14E0B0AB}"/>
+              </a:ext>
+            </a:extLst>
+          </p:cNvPr>
+          <p:cNvSpPr/>
+          <p:nvPr/>
+        </p:nvSpPr>
+        <p:spPr>
+          <a:xfrm>
+            <a:off x="5838825" y="4813299"/>
+            <a:ext cx="514350" cy="514350"/>
+          </a:xfrm>
+          <a:prstGeom prst="ellipse">
+            <a:avLst/>
+          </a:prstGeom>
+          <a:noFill/>
+          <a:ln w="57150">
+            <a:solidFill>
+              <a:srgbClr val="FFFF00"/>
+            </a:solidFill>
+          </a:ln>
+        </p:spPr>
+        <p:style>
+          <a:lnRef idx="2">
+            <a:schemeClr val="accent1">
+              <a:shade val="50000"/>
+            </a:schemeClr>
+          </a:lnRef>
+          <a:fillRef idx="1">
+            <a:schemeClr val="accent1"/>
+          </a:fillRef>
+          <a:effectRef idx="0">
+            <a:schemeClr val="accent1"/>
+          </a:effectRef>
+          <a:fontRef idx="minor">
+            <a:schemeClr val="lt1"/>
+          </a:fontRef>
+        </p:style>
+        <p:txBody>
+          <a:bodyPr rtlCol="0" anchor="ctr"/>
+          <a:lstStyle/>
+          <a:p>
+            <a:pPr algn="ctr"/>
+            <a:endParaRPr lang="ko-KR" altLang="en-US"/>
+          </a:p>
+        </p:txBody>
+      </p:sp>
+      <p:sp>
+        <p:nvSpPr>
+          <p:cNvPr id="10" name="타원 9">
+            <a:extLst>
+              <a:ext uri="{FF2B5EF4-FFF2-40B4-BE49-F238E27FC236}">
+                <a16:creationId xmlns:a16="http://schemas.microsoft.com/office/drawing/2014/main" id="{2F66D828-EB28-4B54-81A2-6EBA358FC7EE}"/>
+              </a:ext>
+            </a:extLst>
+          </p:cNvPr>
+          <p:cNvSpPr/>
+          <p:nvPr/>
+        </p:nvSpPr>
+        <p:spPr>
+          <a:xfrm>
+            <a:off x="7910732" y="4748923"/>
+            <a:ext cx="514350" cy="514350"/>
+          </a:xfrm>
+          <a:prstGeom prst="ellipse">
+            <a:avLst/>
+          </a:prstGeom>
+          <a:noFill/>
+          <a:ln w="57150">
+            <a:solidFill>
+              <a:srgbClr val="FFFF00"/>
+            </a:solidFill>
+          </a:ln>
+        </p:spPr>
+        <p:style>
+          <a:lnRef idx="2">
+            <a:schemeClr val="accent1">
+              <a:shade val="50000"/>
+            </a:schemeClr>
+          </a:lnRef>
+          <a:fillRef idx="1">
+            <a:schemeClr val="accent1"/>
+          </a:fillRef>
+          <a:effectRef idx="0">
+            <a:schemeClr val="accent1"/>
+          </a:effectRef>
+          <a:fontRef idx="minor">
+            <a:schemeClr val="lt1"/>
+          </a:fontRef>
+        </p:style>
+        <p:txBody>
+          <a:bodyPr rtlCol="0" anchor="ctr"/>
+          <a:lstStyle/>
+          <a:p>
+            <a:pPr algn="ctr"/>
+            <a:endParaRPr lang="ko-KR" altLang="en-US"/>
+          </a:p>
+        </p:txBody>
+      </p:sp>
+      <p:cxnSp>
+        <p:nvCxnSpPr>
+          <p:cNvPr id="12" name="직선 화살표 연결선 11">
+            <a:extLst>
+              <a:ext uri="{FF2B5EF4-FFF2-40B4-BE49-F238E27FC236}">
+                <a16:creationId xmlns:a16="http://schemas.microsoft.com/office/drawing/2014/main" id="{D0688971-1378-4243-BE2F-04EBD12EC727}"/>
+              </a:ext>
+            </a:extLst>
+          </p:cNvPr>
+          <p:cNvCxnSpPr>
+            <a:cxnSpLocks/>
+            <a:stCxn id="9" idx="1"/>
+          </p:cNvCxnSpPr>
+          <p:nvPr/>
+        </p:nvCxnSpPr>
+        <p:spPr>
+          <a:xfrm flipH="1" flipV="1">
+            <a:off x="4752975" y="2986088"/>
+            <a:ext cx="1161175" cy="1902536"/>
+          </a:xfrm>
+          <a:prstGeom prst="straightConnector1">
+            <a:avLst/>
+          </a:prstGeom>
+          <a:ln w="38100">
+            <a:tailEnd type="triangle"/>
+          </a:ln>
+        </p:spPr>
+        <p:style>
+          <a:lnRef idx="1">
+            <a:schemeClr val="accent1"/>
+          </a:lnRef>
+          <a:fillRef idx="0">
+            <a:schemeClr val="accent1"/>
+          </a:fillRef>
+          <a:effectRef idx="0">
+            <a:schemeClr val="accent1"/>
+          </a:effectRef>
+          <a:fontRef idx="minor">
+            <a:schemeClr val="tx1"/>
+          </a:fontRef>
+        </p:style>
+      </p:cxnSp>
+      <p:cxnSp>
+        <p:nvCxnSpPr>
+          <p:cNvPr id="15" name="직선 화살표 연결선 14">
+            <a:extLst>
+              <a:ext uri="{FF2B5EF4-FFF2-40B4-BE49-F238E27FC236}">
+                <a16:creationId xmlns:a16="http://schemas.microsoft.com/office/drawing/2014/main" id="{978E1DAA-CB07-4466-9166-949B9EAAA7B5}"/>
+              </a:ext>
+            </a:extLst>
+          </p:cNvPr>
+          <p:cNvCxnSpPr>
+            <a:cxnSpLocks/>
+            <a:stCxn id="10" idx="1"/>
+          </p:cNvCxnSpPr>
+          <p:nvPr/>
+        </p:nvCxnSpPr>
+        <p:spPr>
+          <a:xfrm flipH="1" flipV="1">
+            <a:off x="7587321" y="2921712"/>
+            <a:ext cx="398736" cy="1902536"/>
+          </a:xfrm>
+          <a:prstGeom prst="straightConnector1">
+            <a:avLst/>
+          </a:prstGeom>
+          <a:ln w="38100">
+            <a:tailEnd type="triangle"/>
+          </a:ln>
+        </p:spPr>
+        <p:style>
+          <a:lnRef idx="1">
+            <a:schemeClr val="accent1"/>
+          </a:lnRef>
+          <a:fillRef idx="0">
+            <a:schemeClr val="accent1"/>
+          </a:fillRef>
+          <a:effectRef idx="0">
+            <a:schemeClr val="accent1"/>
+          </a:effectRef>
+          <a:fontRef idx="minor">
+            <a:schemeClr val="tx1"/>
+          </a:fontRef>
+        </p:style>
+      </p:cxnSp>
+      <p:sp>
+        <p:nvSpPr>
+          <p:cNvPr id="17" name="TextBox 16">
+            <a:extLst>
+              <a:ext uri="{FF2B5EF4-FFF2-40B4-BE49-F238E27FC236}">
+                <a16:creationId xmlns:a16="http://schemas.microsoft.com/office/drawing/2014/main" id="{64A93F3A-FAAD-4AC6-A915-40BE23777EC6}"/>
+              </a:ext>
+            </a:extLst>
+          </p:cNvPr>
+          <p:cNvSpPr txBox="1"/>
+          <p:nvPr/>
+        </p:nvSpPr>
+        <p:spPr>
+          <a:xfrm>
+            <a:off x="7839075" y="3057525"/>
+            <a:ext cx="3974165" cy="369332"/>
+          </a:xfrm>
+          <a:prstGeom prst="rect">
+            <a:avLst/>
+          </a:prstGeom>
+          <a:noFill/>
+        </p:spPr>
+        <p:txBody>
+          <a:bodyPr wrap="none" rtlCol="0">
+            <a:spAutoFit/>
+          </a:bodyPr>
+          <a:lstStyle/>
+          <a:p>
+            <a:r>
+              <a:rPr lang="ko-KR" altLang="en-US" dirty="0"/>
+              <a:t>짝수 번째의 모호한 값들이 사라졌음</a:t>
+            </a:r>
+          </a:p>
+        </p:txBody>
+      </p:sp>
+    </p:spTree>
+    <p:extLst>
+      <p:ext uri="{BB962C8B-B14F-4D97-AF65-F5344CB8AC3E}">
+        <p14:creationId xmlns:p14="http://schemas.microsoft.com/office/powerpoint/2010/main" val="3799120556"/>
+      </p:ext>
+    </p:extLst>
+  </p:cSld>
+  <p:clrMapOvr>
+    <a:masterClrMapping/>
+  </p:clrMapOvr>
+</p:sld>
+</file>
+
+<file path=ppt/slides/slide17.xml><?xml version="1.0" encoding="utf-8"?>
+<p:sld xmlns:a="http://schemas.openxmlformats.org/drawingml/2006/main" xmlns:r="http://schemas.openxmlformats.org/officeDocument/2006/relationships" xmlns:p="http://schemas.openxmlformats.org/presentationml/2006/main">
+  <p:cSld>
+    <p:spTree>
+      <p:nvGrpSpPr>
+        <p:cNvPr id="1" name=""/>
+        <p:cNvGrpSpPr/>
+        <p:nvPr/>
+      </p:nvGrpSpPr>
+      <p:grpSpPr>
+        <a:xfrm>
+          <a:off x="0" y="0"/>
+          <a:ext cx="0" cy="0"/>
+          <a:chOff x="0" y="0"/>
+          <a:chExt cx="0" cy="0"/>
+        </a:xfrm>
+      </p:grpSpPr>
+      <p:sp>
+        <p:nvSpPr>
+          <p:cNvPr id="2" name="제목 1">
+            <a:extLst>
+              <a:ext uri="{FF2B5EF4-FFF2-40B4-BE49-F238E27FC236}">
                 <a16:creationId xmlns:a16="http://schemas.microsoft.com/office/drawing/2014/main" id="{AF502D95-E96C-423D-9667-6F736AE74A1A}"/>
               </a:ext>
             </a:extLst>
@@ -3791,37 +5250,6 @@
             <a:r>
               <a:rPr lang="en-US" altLang="ko-KR" dirty="0"/>
               <a:t> k nearest neighbor vote on the answer--"democracy" in data mining</a:t>
-            </a:r>
-          </a:p>
-          <a:p>
-            <a:pPr marL="0" indent="0">
-              <a:buNone/>
-            </a:pPr>
-            <a:r>
-              <a:rPr lang="en-US" altLang="ko-KR" dirty="0"/>
-              <a:t>- when the task is to assign a single class, it is simply the one with the most votes. (</a:t>
-            </a:r>
-            <a:r>
-              <a:rPr lang="ko-KR" altLang="en-US" dirty="0"/>
-              <a:t>근접한 이웃 </a:t>
-            </a:r>
-            <a:r>
-              <a:rPr lang="ko-KR" altLang="en-US" dirty="0" err="1"/>
-              <a:t>갯수가</a:t>
-            </a:r>
-            <a:r>
-              <a:rPr lang="ko-KR" altLang="en-US" dirty="0"/>
-              <a:t> 투표 수</a:t>
-            </a:r>
-            <a:r>
-              <a:rPr lang="en-US" altLang="ko-KR" dirty="0"/>
-              <a:t>)</a:t>
-            </a:r>
-          </a:p>
-          <a:p>
-            <a:r>
-              <a:rPr lang="en-US" altLang="ko-KR" dirty="0"/>
-              <a:t>K should be odd to avoid tie-break</a:t>
             </a:r>
           </a:p>
           <a:p>
@@ -3831,19 +5259,19 @@
             </a:pPr>
             <a:r>
               <a:rPr lang="en-US" altLang="ko-KR" dirty="0"/>
-              <a:t>K</a:t>
-            </a:r>
-            <a:r>
-              <a:rPr lang="ko-KR" altLang="en-US" dirty="0"/>
-              <a:t>가 홀수 여야지 결정을 할 수 있음 </a:t>
-            </a:r>
-            <a:r>
-              <a:rPr lang="en-US" altLang="ko-KR" dirty="0"/>
-              <a:t>(</a:t>
-            </a:r>
-            <a:r>
-              <a:rPr lang="ko-KR" altLang="en-US" dirty="0"/>
-              <a:t>같은 투표수 피함</a:t>
+              <a:t>when the task is to assign a single class, it is simply the one with the most votes. (</a:t>
+            </a:r>
+            <a:r>
+              <a:rPr lang="ko-KR" altLang="en-US" dirty="0"/>
+              <a:t>근접한 이웃 </a:t>
+            </a:r>
+            <a:r>
+              <a:rPr lang="ko-KR" altLang="en-US" dirty="0" err="1"/>
+              <a:t>갯수가</a:t>
+            </a:r>
+            <a:r>
+              <a:rPr lang="ko-KR" altLang="en-US" dirty="0"/>
+              <a:t> 투표 수</a:t>
             </a:r>
             <a:r>
               <a:rPr lang="en-US" altLang="ko-KR" dirty="0"/>
@@ -3856,7 +5284,44 @@
             </a:pPr>
             <a:r>
               <a:rPr lang="en-US" altLang="ko-KR" dirty="0"/>
-              <a:t> use</a:t>
+              <a:t>-&gt; majority vote rule</a:t>
+            </a:r>
+            <a:r>
+              <a:rPr lang="ko-KR" altLang="en-US" dirty="0"/>
+              <a:t>을 적용함</a:t>
+            </a:r>
+            <a:endParaRPr lang="en-US" altLang="ko-KR" dirty="0"/>
+          </a:p>
+          <a:p>
+            <a:r>
+              <a:rPr lang="en-US" altLang="ko-KR" dirty="0"/>
+              <a:t>K should be odd to avoid tie-break</a:t>
+            </a:r>
+          </a:p>
+          <a:p>
+            <a:pPr>
+              <a:buFontTx/>
+              <a:buChar char="-"/>
+            </a:pPr>
+            <a:r>
+              <a:rPr lang="en-US" altLang="ko-KR" dirty="0"/>
+              <a:t>K</a:t>
+            </a:r>
+            <a:r>
+              <a:rPr lang="ko-KR" altLang="en-US" dirty="0"/>
+              <a:t>가 홀수 여야지 결정을 할 수 있음 </a:t>
+            </a:r>
+            <a:r>
+              <a:rPr lang="en-US" altLang="ko-KR" dirty="0"/>
+              <a:t>(</a:t>
+            </a:r>
+            <a:r>
+              <a:rPr lang="ko-KR" altLang="en-US" dirty="0"/>
+              <a:t>같은 투표수 피함</a:t>
+            </a:r>
+            <a:r>
+              <a:rPr lang="en-US" altLang="ko-KR" dirty="0"/>
+              <a:t>)</a:t>
             </a:r>
           </a:p>
           <a:p>
@@ -3931,6 +5396,369 @@
     <p:extLst>
       <p:ext uri="{BB962C8B-B14F-4D97-AF65-F5344CB8AC3E}">
         <p14:creationId xmlns:p14="http://schemas.microsoft.com/office/powerpoint/2010/main" val="2560728643"/>
+      </p:ext>
+    </p:extLst>
+  </p:cSld>
+  <p:clrMapOvr>
+    <a:masterClrMapping/>
+  </p:clrMapOvr>
+</p:sld>
+</file>
+
+<file path=ppt/slides/slide18.xml><?xml version="1.0" encoding="utf-8"?>
+<p:sld xmlns:a="http://schemas.openxmlformats.org/drawingml/2006/main" xmlns:r="http://schemas.openxmlformats.org/officeDocument/2006/relationships" xmlns:p="http://schemas.openxmlformats.org/presentationml/2006/main">
+  <p:cSld>
+    <p:spTree>
+      <p:nvGrpSpPr>
+        <p:cNvPr id="1" name=""/>
+        <p:cNvGrpSpPr/>
+        <p:nvPr/>
+      </p:nvGrpSpPr>
+      <p:grpSpPr>
+        <a:xfrm>
+          <a:off x="0" y="0"/>
+          <a:ext cx="0" cy="0"/>
+          <a:chOff x="0" y="0"/>
+          <a:chExt cx="0" cy="0"/>
+        </a:xfrm>
+      </p:grpSpPr>
+      <p:sp>
+        <p:nvSpPr>
+          <p:cNvPr id="2" name="제목 1">
+            <a:extLst>
+              <a:ext uri="{FF2B5EF4-FFF2-40B4-BE49-F238E27FC236}">
+                <a16:creationId xmlns:a16="http://schemas.microsoft.com/office/drawing/2014/main" id="{5820EA02-0C6C-44CF-9607-D2DD19DE69B7}"/>
+              </a:ext>
+            </a:extLst>
+          </p:cNvPr>
+          <p:cNvSpPr>
+            <a:spLocks noGrp="1"/>
+          </p:cNvSpPr>
+          <p:nvPr>
+            <p:ph type="title"/>
+          </p:nvPr>
+        </p:nvSpPr>
+        <p:spPr/>
+        <p:txBody>
+          <a:bodyPr/>
+          <a:lstStyle/>
+          <a:p>
+            <a:r>
+              <a:rPr lang="en-US" altLang="ko-KR" dirty="0"/>
+              <a:t>Getting the Best Results</a:t>
+            </a:r>
+            <a:endParaRPr lang="ko-KR" altLang="en-US" dirty="0"/>
+          </a:p>
+        </p:txBody>
+      </p:sp>
+      <p:sp>
+        <p:nvSpPr>
+          <p:cNvPr id="3" name="내용 개체 틀 2">
+            <a:extLst>
+              <a:ext uri="{FF2B5EF4-FFF2-40B4-BE49-F238E27FC236}">
+                <a16:creationId xmlns:a16="http://schemas.microsoft.com/office/drawing/2014/main" id="{99D51F5C-BF7B-44B6-A7BD-F8B262131BD5}"/>
+              </a:ext>
+            </a:extLst>
+          </p:cNvPr>
+          <p:cNvSpPr>
+            <a:spLocks noGrp="1"/>
+          </p:cNvSpPr>
+          <p:nvPr>
+            <p:ph idx="1"/>
+          </p:nvPr>
+        </p:nvSpPr>
+        <p:spPr/>
+        <p:txBody>
+          <a:bodyPr/>
+          <a:lstStyle/>
+          <a:p>
+            <a:r>
+              <a:rPr lang="en-US" altLang="ko-KR" dirty="0"/>
+              <a:t>Class</a:t>
+            </a:r>
+            <a:r>
+              <a:rPr lang="ko-KR" altLang="en-US" dirty="0"/>
+              <a:t>당 충분한 </a:t>
+            </a:r>
+            <a:r>
+              <a:rPr lang="en-US" altLang="ko-KR" dirty="0"/>
+              <a:t>instance</a:t>
+            </a:r>
+            <a:r>
+              <a:rPr lang="ko-KR" altLang="en-US" dirty="0"/>
+              <a:t>가 있어야함</a:t>
+            </a:r>
+            <a:endParaRPr lang="en-US" altLang="ko-KR" dirty="0"/>
+          </a:p>
+          <a:p>
+            <a:r>
+              <a:rPr lang="ko-KR" altLang="en-US" dirty="0"/>
+              <a:t>기본적인 </a:t>
+            </a:r>
+            <a:r>
+              <a:rPr lang="en-US" altLang="ko-KR" dirty="0"/>
+              <a:t>distance function </a:t>
+            </a:r>
+            <a:r>
+              <a:rPr lang="ko-KR" altLang="en-US" dirty="0"/>
+              <a:t>사용</a:t>
+            </a:r>
+            <a:r>
+              <a:rPr lang="en-US" altLang="ko-KR" dirty="0"/>
+              <a:t>(</a:t>
+            </a:r>
+            <a:r>
+              <a:rPr lang="en-US" altLang="ko-KR" dirty="0" err="1"/>
+              <a:t>Minkowski</a:t>
+            </a:r>
+            <a:r>
+              <a:rPr lang="ko-KR" altLang="en-US" dirty="0"/>
+              <a:t> </a:t>
+            </a:r>
+            <a:r>
+              <a:rPr lang="en-US" altLang="ko-KR" dirty="0"/>
+              <a:t>distance)</a:t>
+            </a:r>
+          </a:p>
+          <a:p>
+            <a:r>
+              <a:rPr lang="en-US" altLang="ko-KR" dirty="0"/>
+              <a:t>K </a:t>
+            </a:r>
+            <a:r>
+              <a:rPr lang="ko-KR" altLang="en-US" dirty="0"/>
+              <a:t>잘 설정하기</a:t>
+            </a:r>
+            <a:endParaRPr lang="en-US" altLang="ko-KR" dirty="0"/>
+          </a:p>
+          <a:p>
+            <a:r>
+              <a:rPr lang="ko-KR" altLang="en-US" dirty="0"/>
+              <a:t>기본적인 </a:t>
+            </a:r>
+            <a:r>
+              <a:rPr lang="en-US" altLang="ko-KR" dirty="0"/>
+              <a:t>combination function</a:t>
+            </a:r>
+            <a:r>
+              <a:rPr lang="ko-KR" altLang="en-US" dirty="0"/>
+              <a:t>과 </a:t>
+            </a:r>
+            <a:r>
+              <a:rPr lang="en-US" altLang="ko-KR" dirty="0"/>
+              <a:t>weighted voting </a:t>
+            </a:r>
+            <a:r>
+              <a:rPr lang="ko-KR" altLang="en-US" dirty="0"/>
+              <a:t>사용</a:t>
+            </a:r>
+          </a:p>
+        </p:txBody>
+      </p:sp>
+    </p:spTree>
+    <p:extLst>
+      <p:ext uri="{BB962C8B-B14F-4D97-AF65-F5344CB8AC3E}">
+        <p14:creationId xmlns:p14="http://schemas.microsoft.com/office/powerpoint/2010/main" val="3089819821"/>
+      </p:ext>
+    </p:extLst>
+  </p:cSld>
+  <p:clrMapOvr>
+    <a:masterClrMapping/>
+  </p:clrMapOvr>
+</p:sld>
+</file>
+
+<file path=ppt/slides/slide19.xml><?xml version="1.0" encoding="utf-8"?>
+<p:sld xmlns:a="http://schemas.openxmlformats.org/drawingml/2006/main" xmlns:r="http://schemas.openxmlformats.org/officeDocument/2006/relationships" xmlns:p="http://schemas.openxmlformats.org/presentationml/2006/main">
+  <p:cSld>
+    <p:spTree>
+      <p:nvGrpSpPr>
+        <p:cNvPr id="1" name=""/>
+        <p:cNvGrpSpPr/>
+        <p:nvPr/>
+      </p:nvGrpSpPr>
+      <p:grpSpPr>
+        <a:xfrm>
+          <a:off x="0" y="0"/>
+          <a:ext cx="0" cy="0"/>
+          <a:chOff x="0" y="0"/>
+          <a:chExt cx="0" cy="0"/>
+        </a:xfrm>
+      </p:grpSpPr>
+      <p:sp>
+        <p:nvSpPr>
+          <p:cNvPr id="2" name="제목 1">
+            <a:extLst>
+              <a:ext uri="{FF2B5EF4-FFF2-40B4-BE49-F238E27FC236}">
+                <a16:creationId xmlns:a16="http://schemas.microsoft.com/office/drawing/2014/main" id="{F71E3405-3688-49EB-A561-3DA8D485210F}"/>
+              </a:ext>
+            </a:extLst>
+          </p:cNvPr>
+          <p:cNvSpPr>
+            <a:spLocks noGrp="1"/>
+          </p:cNvSpPr>
+          <p:nvPr>
+            <p:ph type="title"/>
+          </p:nvPr>
+        </p:nvSpPr>
+        <p:spPr/>
+        <p:txBody>
+          <a:bodyPr/>
+          <a:lstStyle/>
+          <a:p>
+            <a:r>
+              <a:rPr lang="en-US" altLang="ko-KR" dirty="0"/>
+              <a:t>How to Choose k</a:t>
+            </a:r>
+            <a:endParaRPr lang="ko-KR" altLang="en-US" dirty="0"/>
+          </a:p>
+        </p:txBody>
+      </p:sp>
+      <p:sp>
+        <p:nvSpPr>
+          <p:cNvPr id="3" name="내용 개체 틀 2">
+            <a:extLst>
+              <a:ext uri="{FF2B5EF4-FFF2-40B4-BE49-F238E27FC236}">
+                <a16:creationId xmlns:a16="http://schemas.microsoft.com/office/drawing/2014/main" id="{CFECE779-D06C-4644-9DE0-FB881F3C130E}"/>
+              </a:ext>
+            </a:extLst>
+          </p:cNvPr>
+          <p:cNvSpPr>
+            <a:spLocks noGrp="1"/>
+          </p:cNvSpPr>
+          <p:nvPr>
+            <p:ph idx="1"/>
+          </p:nvPr>
+        </p:nvSpPr>
+        <p:spPr/>
+        <p:txBody>
+          <a:bodyPr/>
+          <a:lstStyle/>
+          <a:p>
+            <a:r>
+              <a:rPr lang="en-US" altLang="ko-KR" dirty="0"/>
+              <a:t>Average</a:t>
+            </a:r>
+            <a:r>
+              <a:rPr lang="ko-KR" altLang="en-US" dirty="0"/>
+              <a:t> </a:t>
+            </a:r>
+            <a:r>
+              <a:rPr lang="en-US" altLang="ko-KR" dirty="0"/>
+              <a:t>of</a:t>
+            </a:r>
+            <a:r>
+              <a:rPr lang="ko-KR" altLang="en-US" dirty="0"/>
+              <a:t> </a:t>
+            </a:r>
+            <a:r>
+              <a:rPr lang="en-US" altLang="ko-KR" dirty="0"/>
+              <a:t>k</a:t>
+            </a:r>
+          </a:p>
+          <a:p>
+            <a:pPr marL="0" indent="0">
+              <a:buNone/>
+            </a:pPr>
+            <a:r>
+              <a:rPr lang="en-US" altLang="ko-KR" dirty="0"/>
+              <a:t>-&gt; </a:t>
+            </a:r>
+            <a:r>
+              <a:rPr lang="ko-KR" altLang="en-US" dirty="0"/>
+              <a:t>노이즈가 있으면서 </a:t>
+            </a:r>
+            <a:r>
+              <a:rPr lang="en-US" altLang="ko-KR" dirty="0"/>
+              <a:t>overlap</a:t>
+            </a:r>
+            <a:r>
+              <a:rPr lang="ko-KR" altLang="en-US" dirty="0"/>
+              <a:t>되는 데이터가 있을 때</a:t>
+            </a:r>
+            <a:endParaRPr lang="en-US" altLang="ko-KR" dirty="0"/>
+          </a:p>
+          <a:p>
+            <a:r>
+              <a:rPr lang="en-US" altLang="ko-KR" dirty="0"/>
+              <a:t>Large k</a:t>
+            </a:r>
+          </a:p>
+          <a:p>
+            <a:pPr marL="0" indent="0">
+              <a:buNone/>
+            </a:pPr>
+            <a:r>
+              <a:rPr lang="en-US" altLang="ko-KR" dirty="0"/>
+              <a:t>-&gt; noise</a:t>
+            </a:r>
+            <a:r>
+              <a:rPr lang="ko-KR" altLang="en-US" dirty="0"/>
+              <a:t>에 덜 민감하다</a:t>
+            </a:r>
+            <a:endParaRPr lang="en-US" altLang="ko-KR" dirty="0"/>
+          </a:p>
+          <a:p>
+            <a:pPr marL="0" indent="0">
+              <a:buNone/>
+            </a:pPr>
+            <a:r>
+              <a:rPr lang="en-US" altLang="ko-KR" dirty="0"/>
+              <a:t>-&gt; </a:t>
+            </a:r>
+            <a:r>
+              <a:rPr lang="ko-KR" altLang="en-US" dirty="0"/>
+              <a:t>겹치는 </a:t>
+            </a:r>
+            <a:r>
+              <a:rPr lang="en-US" altLang="ko-KR" dirty="0"/>
+              <a:t>data</a:t>
+            </a:r>
+            <a:r>
+              <a:rPr lang="ko-KR" altLang="en-US" dirty="0"/>
+              <a:t>에 덜 민감하다</a:t>
+            </a:r>
+            <a:endParaRPr lang="en-US" altLang="ko-KR" dirty="0"/>
+          </a:p>
+          <a:p>
+            <a:r>
+              <a:rPr lang="en-US" altLang="ko-KR" dirty="0"/>
+              <a:t>Small k</a:t>
+            </a:r>
+          </a:p>
+          <a:p>
+            <a:pPr marL="0" indent="0">
+              <a:buNone/>
+            </a:pPr>
+            <a:r>
+              <a:rPr lang="en-US" altLang="ko-KR" dirty="0"/>
+              <a:t>-&gt; </a:t>
+            </a:r>
+            <a:r>
+              <a:rPr lang="ko-KR" altLang="en-US" dirty="0"/>
+              <a:t>공간의 미세한 구조를 더 잘 포착한다</a:t>
+            </a:r>
+            <a:endParaRPr lang="en-US" altLang="ko-KR" dirty="0"/>
+          </a:p>
+          <a:p>
+            <a:pPr marL="0" indent="0">
+              <a:buNone/>
+            </a:pPr>
+            <a:r>
+              <a:rPr lang="en-US" altLang="ko-KR" dirty="0"/>
+              <a:t>-&gt; training set </a:t>
+            </a:r>
+            <a:r>
+              <a:rPr lang="ko-KR" altLang="en-US" dirty="0"/>
+              <a:t>이 작을 때 필요함</a:t>
+            </a:r>
+          </a:p>
+        </p:txBody>
+      </p:sp>
+    </p:spTree>
+    <p:extLst>
+      <p:ext uri="{BB962C8B-B14F-4D97-AF65-F5344CB8AC3E}">
+        <p14:creationId xmlns:p14="http://schemas.microsoft.com/office/powerpoint/2010/main" val="143693664"/>
       </p:ext>
     </p:extLst>
   </p:cSld>
@@ -4133,7 +5961,12 @@
             <p:ph type="title"/>
           </p:nvPr>
         </p:nvSpPr>
-        <p:spPr/>
+        <p:spPr>
+          <a:xfrm>
+            <a:off x="838200" y="365125"/>
+            <a:ext cx="10515600" cy="1325563"/>
+          </a:xfrm>
+        </p:spPr>
         <p:txBody>
           <a:bodyPr/>
           <a:lstStyle/>
@@ -4432,6 +6265,143 @@
           <p:cNvPr id="2" name="제목 1">
             <a:extLst>
               <a:ext uri="{FF2B5EF4-FFF2-40B4-BE49-F238E27FC236}">
+                <a16:creationId xmlns:a16="http://schemas.microsoft.com/office/drawing/2014/main" id="{51D00492-A2AB-4782-AEEE-CFC96A56E1B8}"/>
+              </a:ext>
+            </a:extLst>
+          </p:cNvPr>
+          <p:cNvSpPr>
+            <a:spLocks noGrp="1"/>
+          </p:cNvSpPr>
+          <p:nvPr>
+            <p:ph type="title"/>
+          </p:nvPr>
+        </p:nvSpPr>
+        <p:spPr/>
+        <p:txBody>
+          <a:bodyPr/>
+          <a:lstStyle/>
+          <a:p>
+            <a:r>
+              <a:rPr lang="en-US" altLang="ko-KR" dirty="0"/>
+              <a:t>KNN</a:t>
+            </a:r>
+            <a:r>
+              <a:rPr lang="ko-KR" altLang="en-US" dirty="0"/>
+              <a:t> </a:t>
+            </a:r>
+          </a:p>
+        </p:txBody>
+      </p:sp>
+      <p:sp>
+        <p:nvSpPr>
+          <p:cNvPr id="3" name="내용 개체 틀 2">
+            <a:extLst>
+              <a:ext uri="{FF2B5EF4-FFF2-40B4-BE49-F238E27FC236}">
+                <a16:creationId xmlns:a16="http://schemas.microsoft.com/office/drawing/2014/main" id="{1E91C40E-87B7-4D81-80CF-236BB8D74CE3}"/>
+              </a:ext>
+            </a:extLst>
+          </p:cNvPr>
+          <p:cNvSpPr>
+            <a:spLocks noGrp="1"/>
+          </p:cNvSpPr>
+          <p:nvPr>
+            <p:ph idx="1"/>
+          </p:nvPr>
+        </p:nvSpPr>
+        <p:spPr/>
+        <p:txBody>
+          <a:bodyPr/>
+          <a:lstStyle/>
+          <a:p>
+            <a:r>
+              <a:rPr lang="en-US" altLang="ko-KR" dirty="0"/>
+              <a:t>non</a:t>
+            </a:r>
+            <a:r>
+              <a:rPr lang="ko-KR" altLang="en-US" dirty="0"/>
+              <a:t> </a:t>
+            </a:r>
+            <a:r>
+              <a:rPr lang="en-US" altLang="ko-KR" dirty="0" err="1"/>
+              <a:t>parametic</a:t>
+            </a:r>
+            <a:r>
+              <a:rPr lang="en-US" altLang="ko-KR" dirty="0"/>
+              <a:t> method (</a:t>
+            </a:r>
+            <a:r>
+              <a:rPr lang="ko-KR" altLang="en-US" dirty="0"/>
+              <a:t>파라미터를 업데이트하는 방식이 아님</a:t>
+            </a:r>
+            <a:r>
+              <a:rPr lang="en-US" altLang="ko-KR" dirty="0"/>
+              <a:t>)</a:t>
+            </a:r>
+          </a:p>
+          <a:p>
+            <a:endParaRPr lang="en-US" altLang="ko-KR" dirty="0"/>
+          </a:p>
+          <a:p>
+            <a:r>
+              <a:rPr lang="en-US" altLang="ko-KR" dirty="0"/>
+              <a:t>Classification output: majority vote of its neighbor</a:t>
+            </a:r>
+          </a:p>
+          <a:p>
+            <a:endParaRPr lang="en-US" altLang="ko-KR" dirty="0"/>
+          </a:p>
+          <a:p>
+            <a:r>
+              <a:rPr lang="en-US" altLang="ko-KR" dirty="0"/>
+              <a:t>Regression output: average of the values of its </a:t>
+            </a:r>
+            <a:r>
+              <a:rPr lang="en-US" altLang="ko-KR" i="1" dirty="0"/>
+              <a:t>k</a:t>
+            </a:r>
+            <a:r>
+              <a:rPr lang="en-US" altLang="ko-KR" dirty="0"/>
+              <a:t> nearest neighbors</a:t>
+            </a:r>
+            <a:endParaRPr lang="ko-KR" altLang="en-US" dirty="0"/>
+          </a:p>
+        </p:txBody>
+      </p:sp>
+    </p:spTree>
+    <p:extLst>
+      <p:ext uri="{BB962C8B-B14F-4D97-AF65-F5344CB8AC3E}">
+        <p14:creationId xmlns:p14="http://schemas.microsoft.com/office/powerpoint/2010/main" val="3919469768"/>
+      </p:ext>
+    </p:extLst>
+  </p:cSld>
+  <p:clrMapOvr>
+    <a:masterClrMapping/>
+  </p:clrMapOvr>
+</p:sld>
+</file>
+
+<file path=ppt/slides/slide6.xml><?xml version="1.0" encoding="utf-8"?>
+<p:sld xmlns:a="http://schemas.openxmlformats.org/drawingml/2006/main" xmlns:r="http://schemas.openxmlformats.org/officeDocument/2006/relationships" xmlns:p="http://schemas.openxmlformats.org/presentationml/2006/main">
+  <p:cSld>
+    <p:spTree>
+      <p:nvGrpSpPr>
+        <p:cNvPr id="1" name=""/>
+        <p:cNvGrpSpPr/>
+        <p:nvPr/>
+      </p:nvGrpSpPr>
+      <p:grpSpPr>
+        <a:xfrm>
+          <a:off x="0" y="0"/>
+          <a:ext cx="0" cy="0"/>
+          <a:chOff x="0" y="0"/>
+          <a:chExt cx="0" cy="0"/>
+        </a:xfrm>
+      </p:grpSpPr>
+      <p:sp>
+        <p:nvSpPr>
+          <p:cNvPr id="2" name="제목 1">
+            <a:extLst>
+              <a:ext uri="{FF2B5EF4-FFF2-40B4-BE49-F238E27FC236}">
                 <a16:creationId xmlns:a16="http://schemas.microsoft.com/office/drawing/2014/main" id="{A5375F96-06CD-4DEC-9AAE-17AFE25407AC}"/>
               </a:ext>
             </a:extLst>
@@ -5681,7 +7651,7 @@
 </p:sld>
 </file>
 
-<file path=ppt/slides/slide6.xml><?xml version="1.0" encoding="utf-8"?>
+<file path=ppt/slides/slide7.xml><?xml version="1.0" encoding="utf-8"?>
 <p:sld xmlns:a="http://schemas.openxmlformats.org/drawingml/2006/main" xmlns:r="http://schemas.openxmlformats.org/officeDocument/2006/relationships" xmlns:p="http://schemas.openxmlformats.org/presentationml/2006/main">
   <p:cSld>
     <p:spTree>
@@ -5826,7 +7796,7 @@
 </p:sld>
 </file>
 
-<file path=ppt/slides/slide7.xml><?xml version="1.0" encoding="utf-8"?>
+<file path=ppt/slides/slide8.xml><?xml version="1.0" encoding="utf-8"?>
 <p:sld xmlns:a="http://schemas.openxmlformats.org/drawingml/2006/main" xmlns:r="http://schemas.openxmlformats.org/officeDocument/2006/relationships" xmlns:p="http://schemas.openxmlformats.org/presentationml/2006/main">
   <p:cSld>
     <p:spTree>
@@ -6154,7 +8124,7 @@
 </p:sld>
 </file>
 
-<file path=ppt/slides/slide8.xml><?xml version="1.0" encoding="utf-8"?>
+<file path=ppt/slides/slide9.xml><?xml version="1.0" encoding="utf-8"?>
 <p:sld xmlns:a="http://schemas.openxmlformats.org/drawingml/2006/main" xmlns:r="http://schemas.openxmlformats.org/officeDocument/2006/relationships" xmlns:p="http://schemas.openxmlformats.org/presentationml/2006/main">
   <p:cSld>
     <p:spTree>
@@ -6325,8 +8295,8 @@
           </a:fontRef>
         </p:style>
       </p:cxnSp>
-      <mc:AlternateContent xmlns:mc="http://schemas.openxmlformats.org/markup-compatibility/2006">
-        <mc:Choice xmlns:a14="http://schemas.microsoft.com/office/drawing/2010/main" Requires="a14">
+      <mc:AlternateContent xmlns:mc="http://schemas.openxmlformats.org/markup-compatibility/2006" xmlns:a14="http://schemas.microsoft.com/office/drawing/2010/main">
+        <mc:Choice Requires="a14">
           <p:sp>
             <p:nvSpPr>
               <p:cNvPr id="8" name="TextBox 7">
@@ -6393,7 +8363,7 @@
             </p:txBody>
           </p:sp>
         </mc:Choice>
-        <mc:Fallback>
+        <mc:Fallback xmlns="">
           <p:sp>
             <p:nvSpPr>
               <p:cNvPr id="8" name="TextBox 7">
@@ -6442,345 +8412,6 @@
     <p:extLst>
       <p:ext uri="{BB962C8B-B14F-4D97-AF65-F5344CB8AC3E}">
         <p14:creationId xmlns:p14="http://schemas.microsoft.com/office/powerpoint/2010/main" val="1890440170"/>
-      </p:ext>
-    </p:extLst>
-  </p:cSld>
-  <p:clrMapOvr>
-    <a:masterClrMapping/>
-  </p:clrMapOvr>
-</p:sld>
-</file>
-
-<file path=ppt/slides/slide9.xml><?xml version="1.0" encoding="utf-8"?>
-<p:sld xmlns:a="http://schemas.openxmlformats.org/drawingml/2006/main" xmlns:r="http://schemas.openxmlformats.org/officeDocument/2006/relationships" xmlns:p="http://schemas.openxmlformats.org/presentationml/2006/main">
-  <p:cSld>
-    <p:spTree>
-      <p:nvGrpSpPr>
-        <p:cNvPr id="1" name=""/>
-        <p:cNvGrpSpPr/>
-        <p:nvPr/>
-      </p:nvGrpSpPr>
-      <p:grpSpPr>
-        <a:xfrm>
-          <a:off x="0" y="0"/>
-          <a:ext cx="0" cy="0"/>
-          <a:chOff x="0" y="0"/>
-          <a:chExt cx="0" cy="0"/>
-        </a:xfrm>
-      </p:grpSpPr>
-      <p:sp>
-        <p:nvSpPr>
-          <p:cNvPr id="2" name="제목 1">
-            <a:extLst>
-              <a:ext uri="{FF2B5EF4-FFF2-40B4-BE49-F238E27FC236}">
-                <a16:creationId xmlns:a16="http://schemas.microsoft.com/office/drawing/2014/main" id="{90BD6EC3-D237-4B55-A37B-BCB912C0C2E9}"/>
-              </a:ext>
-            </a:extLst>
-          </p:cNvPr>
-          <p:cNvSpPr>
-            <a:spLocks noGrp="1"/>
-          </p:cNvSpPr>
-          <p:nvPr>
-            <p:ph type="title"/>
-          </p:nvPr>
-        </p:nvSpPr>
-        <p:spPr>
-          <a:xfrm>
-            <a:off x="825707" y="76672"/>
-            <a:ext cx="10515600" cy="1325563"/>
-          </a:xfrm>
-        </p:spPr>
-        <p:txBody>
-          <a:bodyPr/>
-          <a:lstStyle/>
-          <a:p>
-            <a:r>
-              <a:rPr lang="en-US" altLang="ko-KR" dirty="0"/>
-              <a:t>1) Building a Distance Function One Field at a Time</a:t>
-            </a:r>
-          </a:p>
-        </p:txBody>
-      </p:sp>
-      <p:pic>
-        <p:nvPicPr>
-          <p:cNvPr id="4" name="내용 개체 틀 3">
-            <a:extLst>
-              <a:ext uri="{FF2B5EF4-FFF2-40B4-BE49-F238E27FC236}">
-                <a16:creationId xmlns:a16="http://schemas.microsoft.com/office/drawing/2014/main" id="{313D30C8-ED07-4788-8DAB-93A59CCFCAC2}"/>
-              </a:ext>
-            </a:extLst>
-          </p:cNvPr>
-          <p:cNvPicPr>
-            <a:picLocks noGrp="1" noChangeAspect="1"/>
-          </p:cNvPicPr>
-          <p:nvPr>
-            <p:ph idx="1"/>
-          </p:nvPr>
-        </p:nvPicPr>
-        <p:blipFill>
-          <a:blip r:embed="rId2"/>
-          <a:stretch>
-            <a:fillRect/>
-          </a:stretch>
-        </p:blipFill>
-        <p:spPr>
-          <a:xfrm>
-            <a:off x="838199" y="1402235"/>
-            <a:ext cx="10515600" cy="2416818"/>
-          </a:xfrm>
-          <a:prstGeom prst="rect">
-            <a:avLst/>
-          </a:prstGeom>
-        </p:spPr>
-      </p:pic>
-      <p:cxnSp>
-        <p:nvCxnSpPr>
-          <p:cNvPr id="6" name="직선 연결선 5">
-            <a:extLst>
-              <a:ext uri="{FF2B5EF4-FFF2-40B4-BE49-F238E27FC236}">
-                <a16:creationId xmlns:a16="http://schemas.microsoft.com/office/drawing/2014/main" id="{A556A84A-1D77-4AF4-B6A2-76D9C08C05B5}"/>
-              </a:ext>
-            </a:extLst>
-          </p:cNvPr>
-          <p:cNvCxnSpPr/>
-          <p:nvPr/>
-        </p:nvCxnSpPr>
-        <p:spPr>
-          <a:xfrm>
-            <a:off x="1409700" y="3524250"/>
-            <a:ext cx="8848725" cy="0"/>
-          </a:xfrm>
-          <a:prstGeom prst="line">
-            <a:avLst/>
-          </a:prstGeom>
-          <a:ln w="28575"/>
-        </p:spPr>
-        <p:style>
-          <a:lnRef idx="1">
-            <a:schemeClr val="accent1"/>
-          </a:lnRef>
-          <a:fillRef idx="0">
-            <a:schemeClr val="accent1"/>
-          </a:fillRef>
-          <a:effectRef idx="0">
-            <a:schemeClr val="accent1"/>
-          </a:effectRef>
-          <a:fontRef idx="minor">
-            <a:schemeClr val="tx1"/>
-          </a:fontRef>
-        </p:style>
-      </p:cxnSp>
-      <p:pic>
-        <p:nvPicPr>
-          <p:cNvPr id="7" name="그림 6">
-            <a:extLst>
-              <a:ext uri="{FF2B5EF4-FFF2-40B4-BE49-F238E27FC236}">
-                <a16:creationId xmlns:a16="http://schemas.microsoft.com/office/drawing/2014/main" id="{53A33CD7-420A-4059-8CD3-83B3E767CF83}"/>
-              </a:ext>
-            </a:extLst>
-          </p:cNvPr>
-          <p:cNvPicPr>
-            <a:picLocks noChangeAspect="1"/>
-          </p:cNvPicPr>
-          <p:nvPr/>
-        </p:nvPicPr>
-        <p:blipFill>
-          <a:blip r:embed="rId3"/>
-          <a:stretch>
-            <a:fillRect/>
-          </a:stretch>
-        </p:blipFill>
-        <p:spPr>
-          <a:xfrm>
-            <a:off x="1543049" y="4100264"/>
-            <a:ext cx="8715376" cy="2515097"/>
-          </a:xfrm>
-          <a:prstGeom prst="rect">
-            <a:avLst/>
-          </a:prstGeom>
-        </p:spPr>
-      </p:pic>
-      <p:cxnSp>
-        <p:nvCxnSpPr>
-          <p:cNvPr id="9" name="직선 화살표 연결선 8">
-            <a:extLst>
-              <a:ext uri="{FF2B5EF4-FFF2-40B4-BE49-F238E27FC236}">
-                <a16:creationId xmlns:a16="http://schemas.microsoft.com/office/drawing/2014/main" id="{E3EE8D0B-E0E4-48F3-BF0F-F5001556C6A3}"/>
-              </a:ext>
-            </a:extLst>
-          </p:cNvPr>
-          <p:cNvCxnSpPr/>
-          <p:nvPr/>
-        </p:nvCxnSpPr>
-        <p:spPr>
-          <a:xfrm flipH="1" flipV="1">
-            <a:off x="1266825" y="4286250"/>
-            <a:ext cx="2314575" cy="781050"/>
-          </a:xfrm>
-          <a:prstGeom prst="straightConnector1">
-            <a:avLst/>
-          </a:prstGeom>
-          <a:ln>
-            <a:tailEnd type="triangle"/>
-          </a:ln>
-        </p:spPr>
-        <p:style>
-          <a:lnRef idx="1">
-            <a:schemeClr val="accent1"/>
-          </a:lnRef>
-          <a:fillRef idx="0">
-            <a:schemeClr val="accent1"/>
-          </a:fillRef>
-          <a:effectRef idx="0">
-            <a:schemeClr val="accent1"/>
-          </a:effectRef>
-          <a:fontRef idx="minor">
-            <a:schemeClr val="tx1"/>
-          </a:fontRef>
-        </p:style>
-      </p:cxnSp>
-      <p:sp>
-        <p:nvSpPr>
-          <p:cNvPr id="10" name="TextBox 9">
-            <a:extLst>
-              <a:ext uri="{FF2B5EF4-FFF2-40B4-BE49-F238E27FC236}">
-                <a16:creationId xmlns:a16="http://schemas.microsoft.com/office/drawing/2014/main" id="{68244A9A-4A9B-4DF8-8F5B-350EC0400804}"/>
-              </a:ext>
-            </a:extLst>
-          </p:cNvPr>
-          <p:cNvSpPr txBox="1"/>
-          <p:nvPr/>
-        </p:nvSpPr>
-        <p:spPr>
-          <a:xfrm>
-            <a:off x="0" y="3946752"/>
-            <a:ext cx="1651414" cy="646331"/>
-          </a:xfrm>
-          <a:prstGeom prst="rect">
-            <a:avLst/>
-          </a:prstGeom>
-          <a:noFill/>
-        </p:spPr>
-        <p:txBody>
-          <a:bodyPr wrap="none" rtlCol="0">
-            <a:spAutoFit/>
-          </a:bodyPr>
-          <a:lstStyle/>
-          <a:p>
-            <a:r>
-              <a:rPr lang="ko-KR" altLang="en-US" dirty="0" err="1"/>
-              <a:t>가까운순</a:t>
-            </a:r>
-            <a:r>
-              <a:rPr lang="en-US" altLang="ko-KR" dirty="0"/>
-              <a:t> </a:t>
-            </a:r>
-            <a:r>
-              <a:rPr lang="ko-KR" altLang="en-US" dirty="0"/>
-              <a:t>으로</a:t>
-            </a:r>
-            <a:endParaRPr lang="en-US" altLang="ko-KR" dirty="0"/>
-          </a:p>
-          <a:p>
-            <a:r>
-              <a:rPr lang="ko-KR" altLang="en-US" dirty="0"/>
-              <a:t>인덱스 나열</a:t>
-            </a:r>
-          </a:p>
-        </p:txBody>
-      </p:sp>
-      <p:sp>
-        <p:nvSpPr>
-          <p:cNvPr id="12" name="화살표: 왼쪽 11">
-            <a:extLst>
-              <a:ext uri="{FF2B5EF4-FFF2-40B4-BE49-F238E27FC236}">
-                <a16:creationId xmlns:a16="http://schemas.microsoft.com/office/drawing/2014/main" id="{118FE6DB-AB21-4DB6-90DB-887A432AA40B}"/>
-              </a:ext>
-            </a:extLst>
-          </p:cNvPr>
-          <p:cNvSpPr/>
-          <p:nvPr/>
-        </p:nvSpPr>
-        <p:spPr>
-          <a:xfrm>
-            <a:off x="10172700" y="5276850"/>
-            <a:ext cx="361949" cy="466725"/>
-          </a:xfrm>
-          <a:prstGeom prst="leftArrow">
-            <a:avLst/>
-          </a:prstGeom>
-        </p:spPr>
-        <p:style>
-          <a:lnRef idx="2">
-            <a:schemeClr val="accent1">
-              <a:shade val="50000"/>
-            </a:schemeClr>
-          </a:lnRef>
-          <a:fillRef idx="1">
-            <a:schemeClr val="accent1"/>
-          </a:fillRef>
-          <a:effectRef idx="0">
-            <a:schemeClr val="accent1"/>
-          </a:effectRef>
-          <a:fontRef idx="minor">
-            <a:schemeClr val="lt1"/>
-          </a:fontRef>
-        </p:style>
-        <p:txBody>
-          <a:bodyPr rtlCol="0" anchor="ctr"/>
-          <a:lstStyle/>
-          <a:p>
-            <a:pPr algn="ctr"/>
-            <a:endParaRPr lang="ko-KR" altLang="en-US"/>
-          </a:p>
-        </p:txBody>
-      </p:sp>
-      <p:sp>
-        <p:nvSpPr>
-          <p:cNvPr id="13" name="TextBox 12">
-            <a:extLst>
-              <a:ext uri="{FF2B5EF4-FFF2-40B4-BE49-F238E27FC236}">
-                <a16:creationId xmlns:a16="http://schemas.microsoft.com/office/drawing/2014/main" id="{7D783716-77C2-4F3E-BF32-F735E1D807A7}"/>
-              </a:ext>
-            </a:extLst>
-          </p:cNvPr>
-          <p:cNvSpPr txBox="1"/>
-          <p:nvPr/>
-        </p:nvSpPr>
-        <p:spPr>
-          <a:xfrm>
-            <a:off x="10850712" y="5187046"/>
-            <a:ext cx="1006173" cy="646331"/>
-          </a:xfrm>
-          <a:prstGeom prst="rect">
-            <a:avLst/>
-          </a:prstGeom>
-          <a:noFill/>
-        </p:spPr>
-        <p:txBody>
-          <a:bodyPr wrap="none" rtlCol="0">
-            <a:spAutoFit/>
-          </a:bodyPr>
-          <a:lstStyle/>
-          <a:p>
-            <a:r>
-              <a:rPr lang="en-US" altLang="ko-KR" dirty="0"/>
-              <a:t>Training</a:t>
-            </a:r>
-          </a:p>
-          <a:p>
-            <a:r>
-              <a:rPr lang="en-US" altLang="ko-KR" dirty="0"/>
-              <a:t>set</a:t>
-            </a:r>
-            <a:endParaRPr lang="ko-KR" altLang="en-US" dirty="0"/>
-          </a:p>
-        </p:txBody>
-      </p:sp>
-    </p:spTree>
-    <p:extLst>
-      <p:ext uri="{BB962C8B-B14F-4D97-AF65-F5344CB8AC3E}">
-        <p14:creationId xmlns:p14="http://schemas.microsoft.com/office/powerpoint/2010/main" val="2363064082"/>
       </p:ext>
     </p:extLst>
   </p:cSld>

--- a/IBL ppt.pptx
+++ b/IBL ppt.pptx
@@ -4529,7 +4529,7 @@
         </p:blipFill>
         <p:spPr>
           <a:xfrm>
-            <a:off x="838200" y="1581944"/>
+            <a:off x="838200" y="1828006"/>
             <a:ext cx="9648227" cy="2628106"/>
           </a:xfrm>
           <a:prstGeom prst="rect">
@@ -4553,8 +4553,8 @@
         </p:nvCxnSpPr>
         <p:spPr>
           <a:xfrm flipH="1" flipV="1">
-            <a:off x="7639051" y="914400"/>
-            <a:ext cx="2657474" cy="812007"/>
+            <a:off x="7639051" y="914401"/>
+            <a:ext cx="2705099" cy="1066799"/>
           </a:xfrm>
           <a:prstGeom prst="straightConnector1">
             <a:avLst/>
@@ -4742,6 +4742,45 @@
             <a:r>
               <a:rPr lang="en-US" altLang="ko-KR" dirty="0"/>
               <a:t>) (1+0.77+0.61)/(1+0.77+0.72+0.61+0.6)</a:t>
+            </a:r>
+          </a:p>
+        </p:txBody>
+      </p:sp>
+      <p:sp>
+        <p:nvSpPr>
+          <p:cNvPr id="12" name="TextBox 11">
+            <a:extLst>
+              <a:ext uri="{FF2B5EF4-FFF2-40B4-BE49-F238E27FC236}">
+                <a16:creationId xmlns:a16="http://schemas.microsoft.com/office/drawing/2014/main" id="{807040D0-F1DD-4746-AF3B-2F203B9CA50C}"/>
+              </a:ext>
+            </a:extLst>
+          </p:cNvPr>
+          <p:cNvSpPr txBox="1"/>
+          <p:nvPr/>
+        </p:nvSpPr>
+        <p:spPr>
+          <a:xfrm>
+            <a:off x="952500" y="1611868"/>
+            <a:ext cx="2460545" cy="369332"/>
+          </a:xfrm>
+          <a:prstGeom prst="rect">
+            <a:avLst/>
+          </a:prstGeom>
+          <a:noFill/>
+        </p:spPr>
+        <p:txBody>
+          <a:bodyPr wrap="none" rtlCol="0">
+            <a:spAutoFit/>
+          </a:bodyPr>
+          <a:lstStyle/>
+          <a:p>
+            <a:r>
+              <a:rPr lang="en-US" altLang="ko-KR" dirty="0"/>
+              <a:t>Inversion kernel </a:t>
+            </a:r>
+            <a:r>
+              <a:rPr lang="ko-KR" altLang="en-US" dirty="0"/>
+              <a:t>사용 </a:t>
             </a:r>
           </a:p>
         </p:txBody>
@@ -5159,6 +5198,166 @@
               <a:rPr lang="ko-KR" altLang="en-US" dirty="0"/>
               <a:t>짝수 번째의 모호한 값들이 사라졌음</a:t>
             </a:r>
+          </a:p>
+        </p:txBody>
+      </p:sp>
+      <p:pic>
+        <p:nvPicPr>
+          <p:cNvPr id="18" name="그림 17">
+            <a:extLst>
+              <a:ext uri="{FF2B5EF4-FFF2-40B4-BE49-F238E27FC236}">
+                <a16:creationId xmlns:a16="http://schemas.microsoft.com/office/drawing/2014/main" id="{F94B2142-BD0A-4235-B24F-0E5CE127698F}"/>
+              </a:ext>
+            </a:extLst>
+          </p:cNvPr>
+          <p:cNvPicPr>
+            <a:picLocks noChangeAspect="1"/>
+          </p:cNvPicPr>
+          <p:nvPr/>
+        </p:nvPicPr>
+        <p:blipFill>
+          <a:blip r:embed="rId4"/>
+          <a:stretch>
+            <a:fillRect/>
+          </a:stretch>
+        </p:blipFill>
+        <p:spPr>
+          <a:xfrm>
+            <a:off x="885825" y="5395912"/>
+            <a:ext cx="5210175" cy="1314450"/>
+          </a:xfrm>
+          <a:prstGeom prst="rect">
+            <a:avLst/>
+          </a:prstGeom>
+        </p:spPr>
+      </p:pic>
+      <p:sp>
+        <p:nvSpPr>
+          <p:cNvPr id="19" name="TextBox 18">
+            <a:extLst>
+              <a:ext uri="{FF2B5EF4-FFF2-40B4-BE49-F238E27FC236}">
+                <a16:creationId xmlns:a16="http://schemas.microsoft.com/office/drawing/2014/main" id="{9C532B83-4C23-4DD3-9346-4CF17BE549C9}"/>
+              </a:ext>
+            </a:extLst>
+          </p:cNvPr>
+          <p:cNvSpPr txBox="1"/>
+          <p:nvPr/>
+        </p:nvSpPr>
+        <p:spPr>
+          <a:xfrm>
+            <a:off x="6457950" y="5745717"/>
+            <a:ext cx="1121204" cy="369332"/>
+          </a:xfrm>
+          <a:prstGeom prst="rect">
+            <a:avLst/>
+          </a:prstGeom>
+          <a:noFill/>
+        </p:spPr>
+        <p:txBody>
+          <a:bodyPr wrap="none" rtlCol="0">
+            <a:spAutoFit/>
+          </a:bodyPr>
+          <a:lstStyle/>
+          <a:p>
+            <a:r>
+              <a:rPr lang="en-US" altLang="ko-KR" dirty="0"/>
+              <a:t>r: y or n </a:t>
+            </a:r>
+            <a:endParaRPr lang="ko-KR" altLang="en-US" dirty="0"/>
+          </a:p>
+        </p:txBody>
+      </p:sp>
+      <p:sp>
+        <p:nvSpPr>
+          <p:cNvPr id="20" name="TextBox 19">
+            <a:extLst>
+              <a:ext uri="{FF2B5EF4-FFF2-40B4-BE49-F238E27FC236}">
+                <a16:creationId xmlns:a16="http://schemas.microsoft.com/office/drawing/2014/main" id="{985A2A37-BBF9-4D13-994A-81BBFA30B832}"/>
+              </a:ext>
+            </a:extLst>
+          </p:cNvPr>
+          <p:cNvSpPr txBox="1"/>
+          <p:nvPr/>
+        </p:nvSpPr>
+        <p:spPr>
+          <a:xfrm>
+            <a:off x="3810000" y="1121242"/>
+            <a:ext cx="1954381" cy="646331"/>
+          </a:xfrm>
+          <a:prstGeom prst="rect">
+            <a:avLst/>
+          </a:prstGeom>
+          <a:noFill/>
+        </p:spPr>
+        <p:txBody>
+          <a:bodyPr wrap="none" rtlCol="0">
+            <a:spAutoFit/>
+          </a:bodyPr>
+          <a:lstStyle/>
+          <a:p>
+            <a:r>
+              <a:rPr lang="en-US" altLang="ko-KR" dirty="0"/>
+              <a:t>y: 1.77/1.77 -&gt;</a:t>
+            </a:r>
+            <a:r>
+              <a:rPr lang="ko-KR" altLang="en-US" dirty="0"/>
+              <a:t>승</a:t>
+            </a:r>
+            <a:endParaRPr lang="en-US" altLang="ko-KR" dirty="0"/>
+          </a:p>
+          <a:p>
+            <a:r>
+              <a:rPr lang="en-US" altLang="ko-KR" dirty="0"/>
+              <a:t>n: 0/1.77 </a:t>
+            </a:r>
+            <a:endParaRPr lang="ko-KR" altLang="en-US" dirty="0"/>
+          </a:p>
+        </p:txBody>
+      </p:sp>
+      <p:sp>
+        <p:nvSpPr>
+          <p:cNvPr id="21" name="TextBox 20">
+            <a:extLst>
+              <a:ext uri="{FF2B5EF4-FFF2-40B4-BE49-F238E27FC236}">
+                <a16:creationId xmlns:a16="http://schemas.microsoft.com/office/drawing/2014/main" id="{F24EB704-96AC-4C63-A413-7821A8B0BE33}"/>
+              </a:ext>
+            </a:extLst>
+          </p:cNvPr>
+          <p:cNvSpPr txBox="1"/>
+          <p:nvPr/>
+        </p:nvSpPr>
+        <p:spPr>
+          <a:xfrm>
+            <a:off x="7018552" y="1121242"/>
+            <a:ext cx="1827744" cy="646331"/>
+          </a:xfrm>
+          <a:prstGeom prst="rect">
+            <a:avLst/>
+          </a:prstGeom>
+          <a:noFill/>
+        </p:spPr>
+        <p:txBody>
+          <a:bodyPr wrap="none" rtlCol="0">
+            <a:spAutoFit/>
+          </a:bodyPr>
+          <a:lstStyle/>
+          <a:p>
+            <a:r>
+              <a:rPr lang="en-US" altLang="ko-KR" dirty="0"/>
+              <a:t>y: 2.38/3.1 -&gt;</a:t>
+            </a:r>
+            <a:r>
+              <a:rPr lang="ko-KR" altLang="en-US" dirty="0"/>
+              <a:t>승</a:t>
+            </a:r>
+            <a:endParaRPr lang="en-US" altLang="ko-KR" dirty="0"/>
+          </a:p>
+          <a:p>
+            <a:r>
+              <a:rPr lang="en-US" altLang="ko-KR" dirty="0"/>
+              <a:t>n: 0.72/3.1 </a:t>
+            </a:r>
+            <a:endParaRPr lang="ko-KR" altLang="en-US" dirty="0"/>
           </a:p>
         </p:txBody>
       </p:sp>
